--- a/accelerators/stream_manager/docs/Master Images.pptx
+++ b/accelerators/stream_manager/docs/Master Images.pptx
@@ -5,12 +5,13 @@
     <p:sldMasterId id="2147483648" r:id="rId1"/>
   </p:sldMasterIdLst>
   <p:notesMasterIdLst>
-    <p:notesMasterId r:id="rId5"/>
+    <p:notesMasterId r:id="rId6"/>
   </p:notesMasterIdLst>
   <p:sldIdLst>
     <p:sldId id="256" r:id="rId2"/>
     <p:sldId id="257" r:id="rId3"/>
     <p:sldId id="258" r:id="rId4"/>
+    <p:sldId id="259" r:id="rId5"/>
   </p:sldIdLst>
   <p:sldSz cx="12192000" cy="6858000"/>
   <p:notesSz cx="6858000" cy="9144000"/>
@@ -109,6 +110,11 @@
       </a:defRPr>
     </a:lvl9pPr>
   </p:defaultTextStyle>
+  <p:extLst>
+    <p:ext uri="{EFAFB233-063F-42B5-8137-9DF3F51BA10A}">
+      <p15:sldGuideLst xmlns:p15="http://schemas.microsoft.com/office/powerpoint/2012/main"/>
+    </p:ext>
+  </p:extLst>
 </p:presentation>
 </file>
 
@@ -194,7 +200,7 @@
           <a:p>
             <a:fld id="{C651EA68-8216-444B-A9B9-6AB7A53198D1}" type="datetimeFigureOut">
               <a:rPr lang="en-US" smtClean="0"/>
-              <a:t>1/16/20</a:t>
+              <a:t>2/24/20</a:t>
             </a:fld>
             <a:endParaRPr lang="en-US"/>
           </a:p>
@@ -776,7 +782,7 @@
           <a:p>
             <a:fld id="{0191ADAD-C447-434A-91E8-24A385BB7D2D}" type="datetimeFigureOut">
               <a:rPr lang="en-US" smtClean="0"/>
-              <a:t>1/16/20</a:t>
+              <a:t>2/24/20</a:t>
             </a:fld>
             <a:endParaRPr lang="en-US"/>
           </a:p>
@@ -974,7 +980,7 @@
           <a:p>
             <a:fld id="{0191ADAD-C447-434A-91E8-24A385BB7D2D}" type="datetimeFigureOut">
               <a:rPr lang="en-US" smtClean="0"/>
-              <a:t>1/16/20</a:t>
+              <a:t>2/24/20</a:t>
             </a:fld>
             <a:endParaRPr lang="en-US"/>
           </a:p>
@@ -1182,7 +1188,7 @@
           <a:p>
             <a:fld id="{0191ADAD-C447-434A-91E8-24A385BB7D2D}" type="datetimeFigureOut">
               <a:rPr lang="en-US" smtClean="0"/>
-              <a:t>1/16/20</a:t>
+              <a:t>2/24/20</a:t>
             </a:fld>
             <a:endParaRPr lang="en-US"/>
           </a:p>
@@ -1380,7 +1386,7 @@
           <a:p>
             <a:fld id="{0191ADAD-C447-434A-91E8-24A385BB7D2D}" type="datetimeFigureOut">
               <a:rPr lang="en-US" smtClean="0"/>
-              <a:t>1/16/20</a:t>
+              <a:t>2/24/20</a:t>
             </a:fld>
             <a:endParaRPr lang="en-US"/>
           </a:p>
@@ -1655,7 +1661,7 @@
           <a:p>
             <a:fld id="{0191ADAD-C447-434A-91E8-24A385BB7D2D}" type="datetimeFigureOut">
               <a:rPr lang="en-US" smtClean="0"/>
-              <a:t>1/16/20</a:t>
+              <a:t>2/24/20</a:t>
             </a:fld>
             <a:endParaRPr lang="en-US"/>
           </a:p>
@@ -1920,7 +1926,7 @@
           <a:p>
             <a:fld id="{0191ADAD-C447-434A-91E8-24A385BB7D2D}" type="datetimeFigureOut">
               <a:rPr lang="en-US" smtClean="0"/>
-              <a:t>1/16/20</a:t>
+              <a:t>2/24/20</a:t>
             </a:fld>
             <a:endParaRPr lang="en-US"/>
           </a:p>
@@ -2332,7 +2338,7 @@
           <a:p>
             <a:fld id="{0191ADAD-C447-434A-91E8-24A385BB7D2D}" type="datetimeFigureOut">
               <a:rPr lang="en-US" smtClean="0"/>
-              <a:t>1/16/20</a:t>
+              <a:t>2/24/20</a:t>
             </a:fld>
             <a:endParaRPr lang="en-US"/>
           </a:p>
@@ -2473,7 +2479,7 @@
           <a:p>
             <a:fld id="{0191ADAD-C447-434A-91E8-24A385BB7D2D}" type="datetimeFigureOut">
               <a:rPr lang="en-US" smtClean="0"/>
-              <a:t>1/16/20</a:t>
+              <a:t>2/24/20</a:t>
             </a:fld>
             <a:endParaRPr lang="en-US"/>
           </a:p>
@@ -2586,7 +2592,7 @@
           <a:p>
             <a:fld id="{0191ADAD-C447-434A-91E8-24A385BB7D2D}" type="datetimeFigureOut">
               <a:rPr lang="en-US" smtClean="0"/>
-              <a:t>1/16/20</a:t>
+              <a:t>2/24/20</a:t>
             </a:fld>
             <a:endParaRPr lang="en-US"/>
           </a:p>
@@ -2897,7 +2903,7 @@
           <a:p>
             <a:fld id="{0191ADAD-C447-434A-91E8-24A385BB7D2D}" type="datetimeFigureOut">
               <a:rPr lang="en-US" smtClean="0"/>
-              <a:t>1/16/20</a:t>
+              <a:t>2/24/20</a:t>
             </a:fld>
             <a:endParaRPr lang="en-US"/>
           </a:p>
@@ -3185,7 +3191,7 @@
           <a:p>
             <a:fld id="{0191ADAD-C447-434A-91E8-24A385BB7D2D}" type="datetimeFigureOut">
               <a:rPr lang="en-US" smtClean="0"/>
-              <a:t>1/16/20</a:t>
+              <a:t>2/24/20</a:t>
             </a:fld>
             <a:endParaRPr lang="en-US"/>
           </a:p>
@@ -3426,7 +3432,7 @@
           <a:p>
             <a:fld id="{0191ADAD-C447-434A-91E8-24A385BB7D2D}" type="datetimeFigureOut">
               <a:rPr lang="en-US" smtClean="0"/>
-              <a:t>1/16/20</a:t>
+              <a:t>2/24/20</a:t>
             </a:fld>
             <a:endParaRPr lang="en-US"/>
           </a:p>
@@ -9926,6 +9932,2395 @@
     <p:extLst>
       <p:ext uri="{BB962C8B-B14F-4D97-AF65-F5344CB8AC3E}">
         <p14:creationId xmlns:p14="http://schemas.microsoft.com/office/powerpoint/2010/main" val="1193483853"/>
+      </p:ext>
+    </p:extLst>
+  </p:cSld>
+  <p:clrMapOvr>
+    <a:masterClrMapping/>
+  </p:clrMapOvr>
+</p:sld>
+</file>
+
+<file path=ppt/slides/slide4.xml><?xml version="1.0" encoding="utf-8"?>
+<p:sld xmlns:a="http://schemas.openxmlformats.org/drawingml/2006/main" xmlns:r="http://schemas.openxmlformats.org/officeDocument/2006/relationships" xmlns:p="http://schemas.openxmlformats.org/presentationml/2006/main">
+  <p:cSld>
+    <p:spTree>
+      <p:nvGrpSpPr>
+        <p:cNvPr id="1" name=""/>
+        <p:cNvGrpSpPr/>
+        <p:nvPr/>
+      </p:nvGrpSpPr>
+      <p:grpSpPr>
+        <a:xfrm>
+          <a:off x="0" y="0"/>
+          <a:ext cx="0" cy="0"/>
+          <a:chOff x="0" y="0"/>
+          <a:chExt cx="0" cy="0"/>
+        </a:xfrm>
+      </p:grpSpPr>
+      <p:sp>
+        <p:nvSpPr>
+          <p:cNvPr id="28" name="Rectangle 27">
+            <a:extLst>
+              <a:ext uri="{FF2B5EF4-FFF2-40B4-BE49-F238E27FC236}">
+                <a16:creationId xmlns:a16="http://schemas.microsoft.com/office/drawing/2014/main" id="{881F5294-B671-F649-951A-1C59A2EC00C7}"/>
+              </a:ext>
+            </a:extLst>
+          </p:cNvPr>
+          <p:cNvSpPr/>
+          <p:nvPr/>
+        </p:nvSpPr>
+        <p:spPr>
+          <a:xfrm>
+            <a:off x="4007574" y="916464"/>
+            <a:ext cx="1765300" cy="2947402"/>
+          </a:xfrm>
+          <a:prstGeom prst="rect">
+            <a:avLst/>
+          </a:prstGeom>
+          <a:solidFill>
+            <a:schemeClr val="bg1">
+              <a:lumMod val="85000"/>
+            </a:schemeClr>
+          </a:solidFill>
+          <a:ln w="12700">
+            <a:solidFill>
+              <a:srgbClr val="5A6B86"/>
+            </a:solidFill>
+            <a:prstDash val="dash"/>
+          </a:ln>
+        </p:spPr>
+        <p:style>
+          <a:lnRef idx="2">
+            <a:schemeClr val="accent1">
+              <a:shade val="50000"/>
+            </a:schemeClr>
+          </a:lnRef>
+          <a:fillRef idx="1">
+            <a:schemeClr val="accent1"/>
+          </a:fillRef>
+          <a:effectRef idx="0">
+            <a:schemeClr val="accent1"/>
+          </a:effectRef>
+          <a:fontRef idx="minor">
+            <a:schemeClr val="lt1"/>
+          </a:fontRef>
+        </p:style>
+        <p:txBody>
+          <a:bodyPr rot="0" spcFirstLastPara="0" vertOverflow="overflow" horzOverflow="overflow" vert="horz" wrap="square" lIns="91440" tIns="91440" rIns="91440" bIns="45720" numCol="1" spcCol="0" rtlCol="0" fromWordArt="0" anchor="t" anchorCtr="0" forceAA="0" compatLnSpc="1">
+            <a:prstTxWarp prst="textNoShape">
+              <a:avLst/>
+            </a:prstTxWarp>
+            <a:noAutofit/>
+          </a:bodyPr>
+          <a:lstStyle/>
+          <a:p>
+            <a:pPr algn="ctr"/>
+            <a:r>
+              <a:rPr lang="en-US" sz="1200" dirty="0">
+                <a:solidFill>
+                  <a:srgbClr val="5A6B86"/>
+                </a:solidFill>
+              </a:rPr>
+              <a:t>Stream Manager</a:t>
+            </a:r>
+          </a:p>
+        </p:txBody>
+      </p:sp>
+      <p:sp>
+        <p:nvSpPr>
+          <p:cNvPr id="4" name="Rectangle 3">
+            <a:extLst>
+              <a:ext uri="{FF2B5EF4-FFF2-40B4-BE49-F238E27FC236}">
+                <a16:creationId xmlns:a16="http://schemas.microsoft.com/office/drawing/2014/main" id="{DD1D8FD2-4728-394C-9A3E-90D3A3C2B5D3}"/>
+              </a:ext>
+            </a:extLst>
+          </p:cNvPr>
+          <p:cNvSpPr/>
+          <p:nvPr/>
+        </p:nvSpPr>
+        <p:spPr>
+          <a:xfrm>
+            <a:off x="6357582" y="432869"/>
+            <a:ext cx="3675740" cy="3762614"/>
+          </a:xfrm>
+          <a:prstGeom prst="rect">
+            <a:avLst/>
+          </a:prstGeom>
+          <a:noFill/>
+          <a:ln w="12700">
+            <a:solidFill>
+              <a:schemeClr val="tx1"/>
+            </a:solidFill>
+          </a:ln>
+        </p:spPr>
+        <p:style>
+          <a:lnRef idx="2">
+            <a:schemeClr val="accent1">
+              <a:shade val="50000"/>
+            </a:schemeClr>
+          </a:lnRef>
+          <a:fillRef idx="1">
+            <a:schemeClr val="accent1"/>
+          </a:fillRef>
+          <a:effectRef idx="0">
+            <a:schemeClr val="accent1"/>
+          </a:effectRef>
+          <a:fontRef idx="minor">
+            <a:schemeClr val="lt1"/>
+          </a:fontRef>
+        </p:style>
+        <p:txBody>
+          <a:bodyPr rot="0" spcFirstLastPara="0" vertOverflow="overflow" horzOverflow="overflow" vert="horz" wrap="square" lIns="457200" tIns="91440" rIns="91440" bIns="45720" numCol="1" spcCol="0" rtlCol="0" fromWordArt="0" anchor="t" anchorCtr="0" forceAA="0" compatLnSpc="1">
+            <a:prstTxWarp prst="textNoShape">
+              <a:avLst/>
+            </a:prstTxWarp>
+            <a:noAutofit/>
+          </a:bodyPr>
+          <a:lstStyle/>
+          <a:p>
+            <a:pPr algn="l"/>
+            <a:r>
+              <a:rPr lang="en-US" sz="1200" dirty="0">
+                <a:solidFill>
+                  <a:sysClr val="windowText" lastClr="000000"/>
+                </a:solidFill>
+              </a:rPr>
+              <a:t>AWS Cloud</a:t>
+            </a:r>
+          </a:p>
+        </p:txBody>
+      </p:sp>
+      <p:pic>
+        <p:nvPicPr>
+          <p:cNvPr id="5" name="Graphic 4">
+            <a:extLst>
+              <a:ext uri="{FF2B5EF4-FFF2-40B4-BE49-F238E27FC236}">
+                <a16:creationId xmlns:a16="http://schemas.microsoft.com/office/drawing/2014/main" id="{9DCE29E0-2BFC-F444-BFCA-916851A798E6}"/>
+              </a:ext>
+            </a:extLst>
+          </p:cNvPr>
+          <p:cNvPicPr>
+            <a:picLocks noChangeAspect="1"/>
+          </p:cNvPicPr>
+          <p:nvPr/>
+        </p:nvPicPr>
+        <p:blipFill>
+          <a:blip r:embed="rId2">
+            <a:extLst>
+              <a:ext uri="{96DAC541-7B7A-43D3-8B79-37D633B846F1}">
+                <asvg:svgBlip xmlns:asvg="http://schemas.microsoft.com/office/drawing/2016/SVG/main" r:embed="rId3"/>
+              </a:ext>
+            </a:extLst>
+          </a:blip>
+          <a:stretch>
+            <a:fillRect/>
+          </a:stretch>
+        </p:blipFill>
+        <p:spPr>
+          <a:xfrm>
+            <a:off x="6357582" y="432869"/>
+            <a:ext cx="330200" cy="330200"/>
+          </a:xfrm>
+          <a:prstGeom prst="rect">
+            <a:avLst/>
+          </a:prstGeom>
+        </p:spPr>
+      </p:pic>
+      <p:grpSp>
+        <p:nvGrpSpPr>
+          <p:cNvPr id="9" name="Group 8">
+            <a:extLst>
+              <a:ext uri="{FF2B5EF4-FFF2-40B4-BE49-F238E27FC236}">
+                <a16:creationId xmlns:a16="http://schemas.microsoft.com/office/drawing/2014/main" id="{91FE0E46-7525-FF49-A7F1-194EB85EFF27}"/>
+              </a:ext>
+            </a:extLst>
+          </p:cNvPr>
+          <p:cNvGrpSpPr/>
+          <p:nvPr/>
+        </p:nvGrpSpPr>
+        <p:grpSpPr>
+          <a:xfrm>
+            <a:off x="6511958" y="1178732"/>
+            <a:ext cx="1505013" cy="1077583"/>
+            <a:chOff x="6949440" y="1113964"/>
+            <a:chExt cx="1505013" cy="1077583"/>
+          </a:xfrm>
+        </p:grpSpPr>
+        <p:sp>
+          <p:nvSpPr>
+            <p:cNvPr id="6" name="TextBox 5">
+              <a:extLst>
+                <a:ext uri="{FF2B5EF4-FFF2-40B4-BE49-F238E27FC236}">
+                  <a16:creationId xmlns:a16="http://schemas.microsoft.com/office/drawing/2014/main" id="{E6E8DD7D-B761-304E-A376-7F0481B853A8}"/>
+                </a:ext>
+              </a:extLst>
+            </p:cNvPr>
+            <p:cNvSpPr txBox="1"/>
+            <p:nvPr/>
+          </p:nvSpPr>
+          <p:spPr>
+            <a:xfrm>
+              <a:off x="6949440" y="1883770"/>
+              <a:ext cx="1505013" cy="307777"/>
+            </a:xfrm>
+            <a:prstGeom prst="rect">
+              <a:avLst/>
+            </a:prstGeom>
+            <a:noFill/>
+          </p:spPr>
+          <p:txBody>
+            <a:bodyPr wrap="square" rtlCol="0">
+              <a:spAutoFit/>
+            </a:bodyPr>
+            <a:lstStyle/>
+            <a:p>
+              <a:pPr algn="ctr"/>
+              <a:r>
+                <a:rPr lang="en-US" sz="1400" dirty="0">
+                  <a:latin typeface="+mj-lt"/>
+                </a:rPr>
+                <a:t>AWS IoT Analytics</a:t>
+              </a:r>
+            </a:p>
+          </p:txBody>
+        </p:sp>
+        <p:pic>
+          <p:nvPicPr>
+            <p:cNvPr id="7" name="Graphic 6">
+              <a:extLst>
+                <a:ext uri="{FF2B5EF4-FFF2-40B4-BE49-F238E27FC236}">
+                  <a16:creationId xmlns:a16="http://schemas.microsoft.com/office/drawing/2014/main" id="{7E4DB79D-A3F2-6C44-B0A8-6E17044B42E4}"/>
+                </a:ext>
+              </a:extLst>
+            </p:cNvPr>
+            <p:cNvPicPr>
+              <a:picLocks noChangeAspect="1"/>
+            </p:cNvPicPr>
+            <p:nvPr/>
+          </p:nvPicPr>
+          <p:blipFill>
+            <a:blip r:embed="rId4">
+              <a:extLst>
+                <a:ext uri="{96DAC541-7B7A-43D3-8B79-37D633B846F1}">
+                  <asvg:svgBlip xmlns:asvg="http://schemas.microsoft.com/office/drawing/2016/SVG/main" r:embed="rId5"/>
+                </a:ext>
+              </a:extLst>
+            </a:blip>
+            <a:stretch>
+              <a:fillRect/>
+            </a:stretch>
+          </p:blipFill>
+          <p:spPr>
+            <a:xfrm>
+              <a:off x="7371422" y="1113964"/>
+              <a:ext cx="661048" cy="661048"/>
+            </a:xfrm>
+            <a:prstGeom prst="rect">
+              <a:avLst/>
+            </a:prstGeom>
+          </p:spPr>
+        </p:pic>
+      </p:grpSp>
+      <p:grpSp>
+        <p:nvGrpSpPr>
+          <p:cNvPr id="14" name="Group 13">
+            <a:extLst>
+              <a:ext uri="{FF2B5EF4-FFF2-40B4-BE49-F238E27FC236}">
+                <a16:creationId xmlns:a16="http://schemas.microsoft.com/office/drawing/2014/main" id="{636615F1-C51D-0243-B6CC-1069662F7BEF}"/>
+              </a:ext>
+            </a:extLst>
+          </p:cNvPr>
+          <p:cNvGrpSpPr/>
+          <p:nvPr/>
+        </p:nvGrpSpPr>
+        <p:grpSpPr>
+          <a:xfrm>
+            <a:off x="6581179" y="2716960"/>
+            <a:ext cx="1366570" cy="1276980"/>
+            <a:chOff x="6687782" y="2530078"/>
+            <a:chExt cx="1366570" cy="1276980"/>
+          </a:xfrm>
+        </p:grpSpPr>
+        <p:pic>
+          <p:nvPicPr>
+            <p:cNvPr id="11" name="Graphic 10">
+              <a:extLst>
+                <a:ext uri="{FF2B5EF4-FFF2-40B4-BE49-F238E27FC236}">
+                  <a16:creationId xmlns:a16="http://schemas.microsoft.com/office/drawing/2014/main" id="{FDA9D8F5-CA33-DC40-A2E9-8330C46E8A3F}"/>
+                </a:ext>
+              </a:extLst>
+            </p:cNvPr>
+            <p:cNvPicPr>
+              <a:picLocks noChangeAspect="1"/>
+            </p:cNvPicPr>
+            <p:nvPr/>
+          </p:nvPicPr>
+          <p:blipFill>
+            <a:blip r:embed="rId6">
+              <a:extLst>
+                <a:ext uri="{96DAC541-7B7A-43D3-8B79-37D633B846F1}">
+                  <asvg:svgBlip xmlns:asvg="http://schemas.microsoft.com/office/drawing/2016/SVG/main" r:embed="rId7"/>
+                </a:ext>
+              </a:extLst>
+            </a:blip>
+            <a:stretch>
+              <a:fillRect/>
+            </a:stretch>
+          </p:blipFill>
+          <p:spPr>
+            <a:xfrm>
+              <a:off x="7046387" y="2530078"/>
+              <a:ext cx="649360" cy="649360"/>
+            </a:xfrm>
+            <a:prstGeom prst="rect">
+              <a:avLst/>
+            </a:prstGeom>
+          </p:spPr>
+        </p:pic>
+        <p:sp>
+          <p:nvSpPr>
+            <p:cNvPr id="12" name="TextBox 11">
+              <a:extLst>
+                <a:ext uri="{FF2B5EF4-FFF2-40B4-BE49-F238E27FC236}">
+                  <a16:creationId xmlns:a16="http://schemas.microsoft.com/office/drawing/2014/main" id="{E09C1C3C-B1C0-A04D-90DE-0A859DEEF619}"/>
+                </a:ext>
+              </a:extLst>
+            </p:cNvPr>
+            <p:cNvSpPr txBox="1"/>
+            <p:nvPr/>
+          </p:nvSpPr>
+          <p:spPr>
+            <a:xfrm>
+              <a:off x="6687782" y="3283838"/>
+              <a:ext cx="1366570" cy="523220"/>
+            </a:xfrm>
+            <a:prstGeom prst="rect">
+              <a:avLst/>
+            </a:prstGeom>
+            <a:noFill/>
+          </p:spPr>
+          <p:txBody>
+            <a:bodyPr wrap="square" rtlCol="0">
+              <a:spAutoFit/>
+            </a:bodyPr>
+            <a:lstStyle/>
+            <a:p>
+              <a:pPr algn="ctr"/>
+              <a:r>
+                <a:rPr lang="en-US" sz="1400" dirty="0">
+                  <a:solidFill>
+                    <a:srgbClr val="000000"/>
+                  </a:solidFill>
+                  <a:latin typeface="+mj-lt"/>
+                  <a:ea typeface="Amazon Ember" panose="020B0603020204020204" pitchFamily="34" charset="0"/>
+                  <a:cs typeface="Amazon Ember" panose="020B0603020204020204" pitchFamily="34" charset="0"/>
+                </a:rPr>
+                <a:t>Amazon Kinesis</a:t>
+              </a:r>
+            </a:p>
+            <a:p>
+              <a:pPr algn="ctr"/>
+              <a:r>
+                <a:rPr lang="en-US" sz="1400" dirty="0">
+                  <a:solidFill>
+                    <a:srgbClr val="000000"/>
+                  </a:solidFill>
+                  <a:latin typeface="+mj-lt"/>
+                  <a:ea typeface="Amazon Ember" panose="020B0603020204020204" pitchFamily="34" charset="0"/>
+                  <a:cs typeface="Amazon Ember" panose="020B0603020204020204" pitchFamily="34" charset="0"/>
+                </a:rPr>
+                <a:t>Data Streams</a:t>
+              </a:r>
+              <a:endParaRPr lang="en-US" sz="1400" dirty="0">
+                <a:latin typeface="+mj-lt"/>
+                <a:ea typeface="Amazon Ember" panose="020B0603020204020204" pitchFamily="34" charset="0"/>
+                <a:cs typeface="Amazon Ember" panose="020B0603020204020204" pitchFamily="34" charset="0"/>
+              </a:endParaRPr>
+            </a:p>
+          </p:txBody>
+        </p:sp>
+      </p:grpSp>
+      <p:grpSp>
+        <p:nvGrpSpPr>
+          <p:cNvPr id="15" name="Group 14">
+            <a:extLst>
+              <a:ext uri="{FF2B5EF4-FFF2-40B4-BE49-F238E27FC236}">
+                <a16:creationId xmlns:a16="http://schemas.microsoft.com/office/drawing/2014/main" id="{E6EC1B95-D1D4-6A41-8552-034365C31D1A}"/>
+              </a:ext>
+            </a:extLst>
+          </p:cNvPr>
+          <p:cNvGrpSpPr/>
+          <p:nvPr/>
+        </p:nvGrpSpPr>
+        <p:grpSpPr>
+          <a:xfrm>
+            <a:off x="8432827" y="2714287"/>
+            <a:ext cx="1366570" cy="1279653"/>
+            <a:chOff x="8875742" y="2506184"/>
+            <a:chExt cx="1366570" cy="1279653"/>
+          </a:xfrm>
+        </p:grpSpPr>
+        <p:pic>
+          <p:nvPicPr>
+            <p:cNvPr id="10" name="Graphic 9">
+              <a:extLst>
+                <a:ext uri="{FF2B5EF4-FFF2-40B4-BE49-F238E27FC236}">
+                  <a16:creationId xmlns:a16="http://schemas.microsoft.com/office/drawing/2014/main" id="{EFA679BD-73E1-7F43-8B10-24FA3B13A753}"/>
+                </a:ext>
+              </a:extLst>
+            </p:cNvPr>
+            <p:cNvPicPr>
+              <a:picLocks noChangeAspect="1"/>
+            </p:cNvPicPr>
+            <p:nvPr/>
+          </p:nvPicPr>
+          <p:blipFill>
+            <a:blip r:embed="rId8">
+              <a:extLst>
+                <a:ext uri="{96DAC541-7B7A-43D3-8B79-37D633B846F1}">
+                  <asvg:svgBlip xmlns:asvg="http://schemas.microsoft.com/office/drawing/2016/SVG/main" r:embed="rId9"/>
+                </a:ext>
+              </a:extLst>
+            </a:blip>
+            <a:stretch>
+              <a:fillRect/>
+            </a:stretch>
+          </p:blipFill>
+          <p:spPr>
+            <a:xfrm>
+              <a:off x="9228503" y="2506184"/>
+              <a:ext cx="661048" cy="661048"/>
+            </a:xfrm>
+            <a:prstGeom prst="rect">
+              <a:avLst/>
+            </a:prstGeom>
+          </p:spPr>
+        </p:pic>
+        <p:sp>
+          <p:nvSpPr>
+            <p:cNvPr id="13" name="TextBox 12">
+              <a:extLst>
+                <a:ext uri="{FF2B5EF4-FFF2-40B4-BE49-F238E27FC236}">
+                  <a16:creationId xmlns:a16="http://schemas.microsoft.com/office/drawing/2014/main" id="{E7806E7C-D546-6745-978A-842238FDA0BB}"/>
+                </a:ext>
+              </a:extLst>
+            </p:cNvPr>
+            <p:cNvSpPr txBox="1"/>
+            <p:nvPr/>
+          </p:nvSpPr>
+          <p:spPr>
+            <a:xfrm>
+              <a:off x="8875742" y="3262617"/>
+              <a:ext cx="1366570" cy="523220"/>
+            </a:xfrm>
+            <a:prstGeom prst="rect">
+              <a:avLst/>
+            </a:prstGeom>
+            <a:noFill/>
+          </p:spPr>
+          <p:txBody>
+            <a:bodyPr wrap="square" rtlCol="0">
+              <a:spAutoFit/>
+            </a:bodyPr>
+            <a:lstStyle/>
+            <a:p>
+              <a:pPr algn="ctr"/>
+              <a:r>
+                <a:rPr lang="en-US" sz="1400" dirty="0">
+                  <a:solidFill>
+                    <a:srgbClr val="000000"/>
+                  </a:solidFill>
+                  <a:latin typeface="+mj-lt"/>
+                  <a:ea typeface="Amazon Ember" panose="020B0603020204020204" pitchFamily="34" charset="0"/>
+                  <a:cs typeface="Amazon Ember" panose="020B0603020204020204" pitchFamily="34" charset="0"/>
+                </a:rPr>
+                <a:t>Amazon Kinesis</a:t>
+              </a:r>
+            </a:p>
+            <a:p>
+              <a:pPr algn="ctr"/>
+              <a:r>
+                <a:rPr lang="en-US" sz="1400" dirty="0">
+                  <a:solidFill>
+                    <a:srgbClr val="000000"/>
+                  </a:solidFill>
+                  <a:latin typeface="+mj-lt"/>
+                  <a:ea typeface="Amazon Ember" panose="020B0603020204020204" pitchFamily="34" charset="0"/>
+                  <a:cs typeface="Amazon Ember" panose="020B0603020204020204" pitchFamily="34" charset="0"/>
+                </a:rPr>
+                <a:t>Data Analytics</a:t>
+              </a:r>
+              <a:endParaRPr lang="en-US" sz="1400" dirty="0">
+                <a:latin typeface="+mj-lt"/>
+                <a:ea typeface="Amazon Ember" panose="020B0603020204020204" pitchFamily="34" charset="0"/>
+                <a:cs typeface="Amazon Ember" panose="020B0603020204020204" pitchFamily="34" charset="0"/>
+              </a:endParaRPr>
+            </a:p>
+          </p:txBody>
+        </p:sp>
+      </p:grpSp>
+      <p:grpSp>
+        <p:nvGrpSpPr>
+          <p:cNvPr id="18" name="Group 17">
+            <a:extLst>
+              <a:ext uri="{FF2B5EF4-FFF2-40B4-BE49-F238E27FC236}">
+                <a16:creationId xmlns:a16="http://schemas.microsoft.com/office/drawing/2014/main" id="{68A08E20-1DA4-AF4A-ADA7-83D891344462}"/>
+              </a:ext>
+            </a:extLst>
+          </p:cNvPr>
+          <p:cNvGrpSpPr/>
+          <p:nvPr/>
+        </p:nvGrpSpPr>
+        <p:grpSpPr>
+          <a:xfrm>
+            <a:off x="8238242" y="1186045"/>
+            <a:ext cx="1755740" cy="1070270"/>
+            <a:chOff x="8226540" y="1033156"/>
+            <a:chExt cx="1755740" cy="1070270"/>
+          </a:xfrm>
+        </p:grpSpPr>
+        <p:sp>
+          <p:nvSpPr>
+            <p:cNvPr id="16" name="TextBox 15">
+              <a:extLst>
+                <a:ext uri="{FF2B5EF4-FFF2-40B4-BE49-F238E27FC236}">
+                  <a16:creationId xmlns:a16="http://schemas.microsoft.com/office/drawing/2014/main" id="{20E28221-0821-6841-9D64-E74E433907DE}"/>
+                </a:ext>
+              </a:extLst>
+            </p:cNvPr>
+            <p:cNvSpPr txBox="1"/>
+            <p:nvPr/>
+          </p:nvSpPr>
+          <p:spPr>
+            <a:xfrm>
+              <a:off x="8226540" y="1795649"/>
+              <a:ext cx="1755740" cy="307777"/>
+            </a:xfrm>
+            <a:prstGeom prst="rect">
+              <a:avLst/>
+            </a:prstGeom>
+            <a:noFill/>
+          </p:spPr>
+          <p:txBody>
+            <a:bodyPr wrap="square" rtlCol="0">
+              <a:spAutoFit/>
+            </a:bodyPr>
+            <a:lstStyle/>
+            <a:p>
+              <a:pPr algn="ctr"/>
+              <a:r>
+                <a:rPr lang="en-US" sz="1400" dirty="0">
+                  <a:solidFill>
+                    <a:srgbClr val="000000"/>
+                  </a:solidFill>
+                  <a:latin typeface="+mj-lt"/>
+                  <a:ea typeface="Amazon Ember" panose="020B0603020204020204" pitchFamily="34" charset="0"/>
+                  <a:cs typeface="Amazon Ember" panose="020B0603020204020204" pitchFamily="34" charset="0"/>
+                </a:rPr>
+                <a:t>Amazon </a:t>
+              </a:r>
+              <a:r>
+                <a:rPr lang="en-US" sz="1400" dirty="0" err="1">
+                  <a:solidFill>
+                    <a:srgbClr val="000000"/>
+                  </a:solidFill>
+                  <a:latin typeface="+mj-lt"/>
+                  <a:ea typeface="Amazon Ember" panose="020B0603020204020204" pitchFamily="34" charset="0"/>
+                  <a:cs typeface="Amazon Ember" panose="020B0603020204020204" pitchFamily="34" charset="0"/>
+                </a:rPr>
+                <a:t>QuickSight</a:t>
+              </a:r>
+              <a:endParaRPr lang="en-US" sz="1400" dirty="0">
+                <a:latin typeface="+mj-lt"/>
+                <a:ea typeface="Amazon Ember" panose="020B0603020204020204" pitchFamily="34" charset="0"/>
+                <a:cs typeface="Amazon Ember" panose="020B0603020204020204" pitchFamily="34" charset="0"/>
+              </a:endParaRPr>
+            </a:p>
+          </p:txBody>
+        </p:sp>
+        <p:pic>
+          <p:nvPicPr>
+            <p:cNvPr id="17" name="Graphic 16">
+              <a:extLst>
+                <a:ext uri="{FF2B5EF4-FFF2-40B4-BE49-F238E27FC236}">
+                  <a16:creationId xmlns:a16="http://schemas.microsoft.com/office/drawing/2014/main" id="{C84150A8-860D-EE48-82C4-B2FF0418AFA5}"/>
+                </a:ext>
+              </a:extLst>
+            </p:cNvPr>
+            <p:cNvPicPr>
+              <a:picLocks noChangeAspect="1"/>
+            </p:cNvPicPr>
+            <p:nvPr/>
+          </p:nvPicPr>
+          <p:blipFill>
+            <a:blip r:embed="rId10">
+              <a:extLst>
+                <a:ext uri="{96DAC541-7B7A-43D3-8B79-37D633B846F1}">
+                  <asvg:svgBlip xmlns:asvg="http://schemas.microsoft.com/office/drawing/2016/SVG/main" r:embed="rId11"/>
+                </a:ext>
+              </a:extLst>
+            </a:blip>
+            <a:stretch>
+              <a:fillRect/>
+            </a:stretch>
+          </p:blipFill>
+          <p:spPr>
+            <a:xfrm>
+              <a:off x="8776973" y="1033156"/>
+              <a:ext cx="654875" cy="654875"/>
+            </a:xfrm>
+            <a:prstGeom prst="rect">
+              <a:avLst/>
+            </a:prstGeom>
+          </p:spPr>
+        </p:pic>
+      </p:grpSp>
+      <p:cxnSp>
+        <p:nvCxnSpPr>
+          <p:cNvPr id="19" name="Straight Arrow Connector 18">
+            <a:extLst>
+              <a:ext uri="{FF2B5EF4-FFF2-40B4-BE49-F238E27FC236}">
+                <a16:creationId xmlns:a16="http://schemas.microsoft.com/office/drawing/2014/main" id="{82F3D0C4-BDFB-6B44-A442-21FE8F4F593D}"/>
+              </a:ext>
+            </a:extLst>
+          </p:cNvPr>
+          <p:cNvCxnSpPr>
+            <a:cxnSpLocks/>
+          </p:cNvCxnSpPr>
+          <p:nvPr/>
+        </p:nvCxnSpPr>
+        <p:spPr>
+          <a:xfrm>
+            <a:off x="7709498" y="1515096"/>
+            <a:ext cx="852611" cy="0"/>
+          </a:xfrm>
+          <a:prstGeom prst="straightConnector1">
+            <a:avLst/>
+          </a:prstGeom>
+          <a:ln w="12700">
+            <a:solidFill>
+              <a:srgbClr val="545B64"/>
+            </a:solidFill>
+            <a:headEnd type="none" w="med" len="sm"/>
+            <a:tailEnd type="arrow" w="med" len="sm"/>
+          </a:ln>
+        </p:spPr>
+        <p:style>
+          <a:lnRef idx="1">
+            <a:schemeClr val="accent1"/>
+          </a:lnRef>
+          <a:fillRef idx="0">
+            <a:schemeClr val="accent1"/>
+          </a:fillRef>
+          <a:effectRef idx="0">
+            <a:schemeClr val="accent1"/>
+          </a:effectRef>
+          <a:fontRef idx="minor">
+            <a:schemeClr val="tx1"/>
+          </a:fontRef>
+        </p:style>
+      </p:cxnSp>
+      <p:cxnSp>
+        <p:nvCxnSpPr>
+          <p:cNvPr id="20" name="Straight Arrow Connector 19">
+            <a:extLst>
+              <a:ext uri="{FF2B5EF4-FFF2-40B4-BE49-F238E27FC236}">
+                <a16:creationId xmlns:a16="http://schemas.microsoft.com/office/drawing/2014/main" id="{5E2CBD44-15B4-E741-A9D3-7A084770BC74}"/>
+              </a:ext>
+            </a:extLst>
+          </p:cNvPr>
+          <p:cNvCxnSpPr>
+            <a:cxnSpLocks/>
+          </p:cNvCxnSpPr>
+          <p:nvPr/>
+        </p:nvCxnSpPr>
+        <p:spPr>
+          <a:xfrm>
+            <a:off x="5280795" y="1492305"/>
+            <a:ext cx="1555689" cy="0"/>
+          </a:xfrm>
+          <a:prstGeom prst="straightConnector1">
+            <a:avLst/>
+          </a:prstGeom>
+          <a:ln w="12700">
+            <a:solidFill>
+              <a:srgbClr val="545B64"/>
+            </a:solidFill>
+            <a:headEnd type="none" w="med" len="sm"/>
+            <a:tailEnd type="arrow" w="med" len="sm"/>
+          </a:ln>
+        </p:spPr>
+        <p:style>
+          <a:lnRef idx="1">
+            <a:schemeClr val="accent1"/>
+          </a:lnRef>
+          <a:fillRef idx="0">
+            <a:schemeClr val="accent1"/>
+          </a:fillRef>
+          <a:effectRef idx="0">
+            <a:schemeClr val="accent1"/>
+          </a:effectRef>
+          <a:fontRef idx="minor">
+            <a:schemeClr val="tx1"/>
+          </a:fontRef>
+        </p:style>
+      </p:cxnSp>
+      <p:cxnSp>
+        <p:nvCxnSpPr>
+          <p:cNvPr id="21" name="Straight Arrow Connector 20">
+            <a:extLst>
+              <a:ext uri="{FF2B5EF4-FFF2-40B4-BE49-F238E27FC236}">
+                <a16:creationId xmlns:a16="http://schemas.microsoft.com/office/drawing/2014/main" id="{5AE7A725-D044-494A-BB45-4091CE490D73}"/>
+              </a:ext>
+            </a:extLst>
+          </p:cNvPr>
+          <p:cNvCxnSpPr>
+            <a:cxnSpLocks/>
+          </p:cNvCxnSpPr>
+          <p:nvPr/>
+        </p:nvCxnSpPr>
+        <p:spPr>
+          <a:xfrm>
+            <a:off x="1905023" y="1157401"/>
+            <a:ext cx="396875" cy="0"/>
+          </a:xfrm>
+          <a:prstGeom prst="straightConnector1">
+            <a:avLst/>
+          </a:prstGeom>
+          <a:ln w="12700">
+            <a:solidFill>
+              <a:srgbClr val="545B64"/>
+            </a:solidFill>
+            <a:headEnd type="none" w="med" len="sm"/>
+            <a:tailEnd type="arrow" w="med" len="sm"/>
+          </a:ln>
+        </p:spPr>
+        <p:style>
+          <a:lnRef idx="1">
+            <a:schemeClr val="accent1"/>
+          </a:lnRef>
+          <a:fillRef idx="0">
+            <a:schemeClr val="accent1"/>
+          </a:fillRef>
+          <a:effectRef idx="0">
+            <a:schemeClr val="accent1"/>
+          </a:effectRef>
+          <a:fontRef idx="minor">
+            <a:schemeClr val="tx1"/>
+          </a:fontRef>
+        </p:style>
+      </p:cxnSp>
+      <p:cxnSp>
+        <p:nvCxnSpPr>
+          <p:cNvPr id="23" name="Straight Arrow Connector 22">
+            <a:extLst>
+              <a:ext uri="{FF2B5EF4-FFF2-40B4-BE49-F238E27FC236}">
+                <a16:creationId xmlns:a16="http://schemas.microsoft.com/office/drawing/2014/main" id="{19EB6E72-7E79-3241-AEA3-E125E7E10ACE}"/>
+              </a:ext>
+            </a:extLst>
+          </p:cNvPr>
+          <p:cNvCxnSpPr>
+            <a:cxnSpLocks/>
+          </p:cNvCxnSpPr>
+          <p:nvPr/>
+        </p:nvCxnSpPr>
+        <p:spPr>
+          <a:xfrm>
+            <a:off x="7709498" y="3065990"/>
+            <a:ext cx="852611" cy="0"/>
+          </a:xfrm>
+          <a:prstGeom prst="straightConnector1">
+            <a:avLst/>
+          </a:prstGeom>
+          <a:ln w="12700">
+            <a:solidFill>
+              <a:srgbClr val="545B64"/>
+            </a:solidFill>
+            <a:headEnd type="none" w="med" len="sm"/>
+            <a:tailEnd type="arrow" w="med" len="sm"/>
+          </a:ln>
+        </p:spPr>
+        <p:style>
+          <a:lnRef idx="1">
+            <a:schemeClr val="accent1"/>
+          </a:lnRef>
+          <a:fillRef idx="0">
+            <a:schemeClr val="accent1"/>
+          </a:fillRef>
+          <a:effectRef idx="0">
+            <a:schemeClr val="accent1"/>
+          </a:effectRef>
+          <a:fontRef idx="minor">
+            <a:schemeClr val="tx1"/>
+          </a:fontRef>
+        </p:style>
+      </p:cxnSp>
+      <p:sp>
+        <p:nvSpPr>
+          <p:cNvPr id="24" name="Rectangle 23">
+            <a:extLst>
+              <a:ext uri="{FF2B5EF4-FFF2-40B4-BE49-F238E27FC236}">
+                <a16:creationId xmlns:a16="http://schemas.microsoft.com/office/drawing/2014/main" id="{BFCD43F4-8E9D-7745-9C31-2D752553D640}"/>
+              </a:ext>
+            </a:extLst>
+          </p:cNvPr>
+          <p:cNvSpPr/>
+          <p:nvPr/>
+        </p:nvSpPr>
+        <p:spPr>
+          <a:xfrm>
+            <a:off x="2180691" y="432868"/>
+            <a:ext cx="3832833" cy="3762614"/>
+          </a:xfrm>
+          <a:prstGeom prst="rect">
+            <a:avLst/>
+          </a:prstGeom>
+          <a:noFill/>
+          <a:ln w="12700">
+            <a:solidFill>
+              <a:srgbClr val="5A6B86"/>
+            </a:solidFill>
+          </a:ln>
+        </p:spPr>
+        <p:style>
+          <a:lnRef idx="2">
+            <a:schemeClr val="accent1">
+              <a:shade val="50000"/>
+            </a:schemeClr>
+          </a:lnRef>
+          <a:fillRef idx="1">
+            <a:schemeClr val="accent1"/>
+          </a:fillRef>
+          <a:effectRef idx="0">
+            <a:schemeClr val="accent1"/>
+          </a:effectRef>
+          <a:fontRef idx="minor">
+            <a:schemeClr val="lt1"/>
+          </a:fontRef>
+        </p:style>
+        <p:txBody>
+          <a:bodyPr rot="0" spcFirstLastPara="0" vertOverflow="overflow" horzOverflow="overflow" vert="horz" wrap="square" lIns="457200" tIns="91440" rIns="91440" bIns="45720" numCol="1" spcCol="0" rtlCol="0" fromWordArt="0" anchor="t" anchorCtr="0" forceAA="0" compatLnSpc="1">
+            <a:prstTxWarp prst="textNoShape">
+              <a:avLst/>
+            </a:prstTxWarp>
+            <a:noAutofit/>
+          </a:bodyPr>
+          <a:lstStyle/>
+          <a:p>
+            <a:pPr algn="l"/>
+            <a:r>
+              <a:rPr lang="en-US" sz="1200" dirty="0">
+                <a:solidFill>
+                  <a:srgbClr val="5A6B86"/>
+                </a:solidFill>
+              </a:rPr>
+              <a:t>    Greengrass Core Container</a:t>
+            </a:r>
+          </a:p>
+        </p:txBody>
+      </p:sp>
+      <p:grpSp>
+        <p:nvGrpSpPr>
+          <p:cNvPr id="8" name="Group 7">
+            <a:extLst>
+              <a:ext uri="{FF2B5EF4-FFF2-40B4-BE49-F238E27FC236}">
+                <a16:creationId xmlns:a16="http://schemas.microsoft.com/office/drawing/2014/main" id="{6C7B4C78-F1D1-A445-84FE-42DF50DE7544}"/>
+              </a:ext>
+            </a:extLst>
+          </p:cNvPr>
+          <p:cNvGrpSpPr/>
+          <p:nvPr/>
+        </p:nvGrpSpPr>
+        <p:grpSpPr>
+          <a:xfrm>
+            <a:off x="4209197" y="1257355"/>
+            <a:ext cx="1465355" cy="729283"/>
+            <a:chOff x="4461895" y="1219255"/>
+            <a:chExt cx="1465355" cy="729283"/>
+          </a:xfrm>
+        </p:grpSpPr>
+        <p:sp>
+          <p:nvSpPr>
+            <p:cNvPr id="26" name="TextBox 25">
+              <a:extLst>
+                <a:ext uri="{FF2B5EF4-FFF2-40B4-BE49-F238E27FC236}">
+                  <a16:creationId xmlns:a16="http://schemas.microsoft.com/office/drawing/2014/main" id="{565B09E6-35AC-EE40-A051-0ED42267D1CE}"/>
+                </a:ext>
+              </a:extLst>
+            </p:cNvPr>
+            <p:cNvSpPr txBox="1"/>
+            <p:nvPr/>
+          </p:nvSpPr>
+          <p:spPr>
+            <a:xfrm>
+              <a:off x="4461895" y="1640761"/>
+              <a:ext cx="1465355" cy="307777"/>
+            </a:xfrm>
+            <a:prstGeom prst="rect">
+              <a:avLst/>
+            </a:prstGeom>
+            <a:noFill/>
+          </p:spPr>
+          <p:txBody>
+            <a:bodyPr wrap="square" rtlCol="0">
+              <a:spAutoFit/>
+            </a:bodyPr>
+            <a:lstStyle/>
+            <a:p>
+              <a:pPr algn="ctr"/>
+              <a:r>
+                <a:rPr lang="en-US" sz="1400" dirty="0" err="1">
+                  <a:latin typeface="+mj-lt"/>
+                  <a:ea typeface="Amazon Ember" panose="020B0603020204020204" pitchFamily="34" charset="0"/>
+                  <a:cs typeface="Amazon Ember" panose="020B0603020204020204" pitchFamily="34" charset="0"/>
+                </a:rPr>
+                <a:t>LocalDataStream</a:t>
+              </a:r>
+              <a:endParaRPr lang="en-US" sz="1400" dirty="0">
+                <a:latin typeface="+mj-lt"/>
+                <a:ea typeface="Amazon Ember" panose="020B0603020204020204" pitchFamily="34" charset="0"/>
+                <a:cs typeface="Amazon Ember" panose="020B0603020204020204" pitchFamily="34" charset="0"/>
+              </a:endParaRPr>
+            </a:p>
+          </p:txBody>
+        </p:sp>
+        <p:pic>
+          <p:nvPicPr>
+            <p:cNvPr id="27" name="Graphic 26">
+              <a:extLst>
+                <a:ext uri="{FF2B5EF4-FFF2-40B4-BE49-F238E27FC236}">
+                  <a16:creationId xmlns:a16="http://schemas.microsoft.com/office/drawing/2014/main" id="{5471A79E-6CA1-1749-9EB0-0A1FAD54AA38}"/>
+                </a:ext>
+              </a:extLst>
+            </p:cNvPr>
+            <p:cNvPicPr>
+              <a:picLocks noChangeAspect="1"/>
+            </p:cNvPicPr>
+            <p:nvPr/>
+          </p:nvPicPr>
+          <p:blipFill>
+            <a:blip r:embed="rId12">
+              <a:extLst>
+                <a:ext uri="{96DAC541-7B7A-43D3-8B79-37D633B846F1}">
+                  <asvg:svgBlip xmlns:asvg="http://schemas.microsoft.com/office/drawing/2016/SVG/main" r:embed="rId13"/>
+                </a:ext>
+              </a:extLst>
+            </a:blip>
+            <a:stretch>
+              <a:fillRect/>
+            </a:stretch>
+          </p:blipFill>
+          <p:spPr>
+            <a:xfrm>
+              <a:off x="4959622" y="1219255"/>
+              <a:ext cx="469900" cy="469900"/>
+            </a:xfrm>
+            <a:prstGeom prst="rect">
+              <a:avLst/>
+            </a:prstGeom>
+          </p:spPr>
+        </p:pic>
+      </p:grpSp>
+      <p:grpSp>
+        <p:nvGrpSpPr>
+          <p:cNvPr id="33" name="Group 32">
+            <a:extLst>
+              <a:ext uri="{FF2B5EF4-FFF2-40B4-BE49-F238E27FC236}">
+                <a16:creationId xmlns:a16="http://schemas.microsoft.com/office/drawing/2014/main" id="{90026F38-7C0F-8643-93E1-467883F0F2D0}"/>
+              </a:ext>
+            </a:extLst>
+          </p:cNvPr>
+          <p:cNvGrpSpPr/>
+          <p:nvPr/>
+        </p:nvGrpSpPr>
+        <p:grpSpPr>
+          <a:xfrm>
+            <a:off x="4059224" y="2769942"/>
+            <a:ext cx="1765300" cy="729283"/>
+            <a:chOff x="3857602" y="2779537"/>
+            <a:chExt cx="1765300" cy="729283"/>
+          </a:xfrm>
+        </p:grpSpPr>
+        <p:sp>
+          <p:nvSpPr>
+            <p:cNvPr id="30" name="TextBox 29">
+              <a:extLst>
+                <a:ext uri="{FF2B5EF4-FFF2-40B4-BE49-F238E27FC236}">
+                  <a16:creationId xmlns:a16="http://schemas.microsoft.com/office/drawing/2014/main" id="{C7198B7F-9FA8-CD48-BEE7-2F315D9EF666}"/>
+                </a:ext>
+              </a:extLst>
+            </p:cNvPr>
+            <p:cNvSpPr txBox="1"/>
+            <p:nvPr/>
+          </p:nvSpPr>
+          <p:spPr>
+            <a:xfrm>
+              <a:off x="3857602" y="3201043"/>
+              <a:ext cx="1765300" cy="307777"/>
+            </a:xfrm>
+            <a:prstGeom prst="rect">
+              <a:avLst/>
+            </a:prstGeom>
+            <a:noFill/>
+          </p:spPr>
+          <p:txBody>
+            <a:bodyPr wrap="square" rtlCol="0">
+              <a:spAutoFit/>
+            </a:bodyPr>
+            <a:lstStyle/>
+            <a:p>
+              <a:pPr algn="ctr"/>
+              <a:r>
+                <a:rPr lang="en-US" sz="1400" dirty="0" err="1">
+                  <a:latin typeface="+mj-lt"/>
+                  <a:ea typeface="Amazon Ember" panose="020B0603020204020204" pitchFamily="34" charset="0"/>
+                  <a:cs typeface="Amazon Ember" panose="020B0603020204020204" pitchFamily="34" charset="0"/>
+                </a:rPr>
+                <a:t>AggregateDataStream</a:t>
+              </a:r>
+              <a:endParaRPr lang="en-US" sz="1400" dirty="0">
+                <a:latin typeface="+mj-lt"/>
+                <a:ea typeface="Amazon Ember" panose="020B0603020204020204" pitchFamily="34" charset="0"/>
+                <a:cs typeface="Amazon Ember" panose="020B0603020204020204" pitchFamily="34" charset="0"/>
+              </a:endParaRPr>
+            </a:p>
+          </p:txBody>
+        </p:sp>
+        <p:pic>
+          <p:nvPicPr>
+            <p:cNvPr id="31" name="Graphic 30">
+              <a:extLst>
+                <a:ext uri="{FF2B5EF4-FFF2-40B4-BE49-F238E27FC236}">
+                  <a16:creationId xmlns:a16="http://schemas.microsoft.com/office/drawing/2014/main" id="{C38E6FF8-44D6-E04D-84BE-65AA3F128CC0}"/>
+                </a:ext>
+              </a:extLst>
+            </p:cNvPr>
+            <p:cNvPicPr>
+              <a:picLocks noChangeAspect="1"/>
+            </p:cNvPicPr>
+            <p:nvPr/>
+          </p:nvPicPr>
+          <p:blipFill>
+            <a:blip r:embed="rId12">
+              <a:extLst>
+                <a:ext uri="{96DAC541-7B7A-43D3-8B79-37D633B846F1}">
+                  <asvg:svgBlip xmlns:asvg="http://schemas.microsoft.com/office/drawing/2016/SVG/main" r:embed="rId13"/>
+                </a:ext>
+              </a:extLst>
+            </a:blip>
+            <a:stretch>
+              <a:fillRect/>
+            </a:stretch>
+          </p:blipFill>
+          <p:spPr>
+            <a:xfrm>
+              <a:off x="4505302" y="2779537"/>
+              <a:ext cx="469900" cy="469900"/>
+            </a:xfrm>
+            <a:prstGeom prst="rect">
+              <a:avLst/>
+            </a:prstGeom>
+          </p:spPr>
+        </p:pic>
+      </p:grpSp>
+      <p:cxnSp>
+        <p:nvCxnSpPr>
+          <p:cNvPr id="32" name="Straight Arrow Connector 31">
+            <a:extLst>
+              <a:ext uri="{FF2B5EF4-FFF2-40B4-BE49-F238E27FC236}">
+                <a16:creationId xmlns:a16="http://schemas.microsoft.com/office/drawing/2014/main" id="{B2F006BD-18EB-2945-8935-C281916856EF}"/>
+              </a:ext>
+            </a:extLst>
+          </p:cNvPr>
+          <p:cNvCxnSpPr>
+            <a:cxnSpLocks/>
+          </p:cNvCxnSpPr>
+          <p:nvPr/>
+        </p:nvCxnSpPr>
+        <p:spPr>
+          <a:xfrm>
+            <a:off x="5280795" y="3004892"/>
+            <a:ext cx="1555689" cy="9595"/>
+          </a:xfrm>
+          <a:prstGeom prst="straightConnector1">
+            <a:avLst/>
+          </a:prstGeom>
+          <a:ln w="12700">
+            <a:solidFill>
+              <a:srgbClr val="545B64"/>
+            </a:solidFill>
+            <a:headEnd type="none" w="med" len="sm"/>
+            <a:tailEnd type="arrow" w="med" len="sm"/>
+          </a:ln>
+        </p:spPr>
+        <p:style>
+          <a:lnRef idx="1">
+            <a:schemeClr val="accent1"/>
+          </a:lnRef>
+          <a:fillRef idx="0">
+            <a:schemeClr val="accent1"/>
+          </a:fillRef>
+          <a:effectRef idx="0">
+            <a:schemeClr val="accent1"/>
+          </a:effectRef>
+          <a:fontRef idx="minor">
+            <a:schemeClr val="tx1"/>
+          </a:fontRef>
+        </p:style>
+      </p:cxnSp>
+      <p:grpSp>
+        <p:nvGrpSpPr>
+          <p:cNvPr id="53" name="Group 52">
+            <a:extLst>
+              <a:ext uri="{FF2B5EF4-FFF2-40B4-BE49-F238E27FC236}">
+                <a16:creationId xmlns:a16="http://schemas.microsoft.com/office/drawing/2014/main" id="{7CA3F94C-47E1-8F41-B730-3FFB0517A627}"/>
+              </a:ext>
+            </a:extLst>
+          </p:cNvPr>
+          <p:cNvGrpSpPr/>
+          <p:nvPr/>
+        </p:nvGrpSpPr>
+        <p:grpSpPr>
+          <a:xfrm>
+            <a:off x="276931" y="639736"/>
+            <a:ext cx="1582904" cy="1386185"/>
+            <a:chOff x="276931" y="916464"/>
+            <a:chExt cx="1582904" cy="1386185"/>
+          </a:xfrm>
+        </p:grpSpPr>
+        <p:pic>
+          <p:nvPicPr>
+            <p:cNvPr id="36" name="Graphic 35">
+              <a:extLst>
+                <a:ext uri="{FF2B5EF4-FFF2-40B4-BE49-F238E27FC236}">
+                  <a16:creationId xmlns:a16="http://schemas.microsoft.com/office/drawing/2014/main" id="{010E81FE-D1F9-1848-843C-A32B6BCD23CC}"/>
+                </a:ext>
+              </a:extLst>
+            </p:cNvPr>
+            <p:cNvPicPr>
+              <a:picLocks noChangeAspect="1"/>
+            </p:cNvPicPr>
+            <p:nvPr/>
+          </p:nvPicPr>
+          <p:blipFill>
+            <a:blip r:embed="rId14">
+              <a:extLst>
+                <a:ext uri="{96DAC541-7B7A-43D3-8B79-37D633B846F1}">
+                  <asvg:svgBlip xmlns:asvg="http://schemas.microsoft.com/office/drawing/2016/SVG/main" r:embed="rId15"/>
+                </a:ext>
+              </a:extLst>
+            </a:blip>
+            <a:stretch>
+              <a:fillRect/>
+            </a:stretch>
+          </p:blipFill>
+          <p:spPr>
+            <a:xfrm>
+              <a:off x="1387862" y="1832749"/>
+              <a:ext cx="469900" cy="469900"/>
+            </a:xfrm>
+            <a:prstGeom prst="rect">
+              <a:avLst/>
+            </a:prstGeom>
+          </p:spPr>
+        </p:pic>
+        <p:pic>
+          <p:nvPicPr>
+            <p:cNvPr id="37" name="Graphic 36">
+              <a:extLst>
+                <a:ext uri="{FF2B5EF4-FFF2-40B4-BE49-F238E27FC236}">
+                  <a16:creationId xmlns:a16="http://schemas.microsoft.com/office/drawing/2014/main" id="{A11B1D84-D603-3441-B393-F08E8837434E}"/>
+                </a:ext>
+              </a:extLst>
+            </p:cNvPr>
+            <p:cNvPicPr>
+              <a:picLocks noChangeAspect="1"/>
+            </p:cNvPicPr>
+            <p:nvPr/>
+          </p:nvPicPr>
+          <p:blipFill>
+            <a:blip r:embed="rId16">
+              <a:extLst>
+                <a:ext uri="{96DAC541-7B7A-43D3-8B79-37D633B846F1}">
+                  <asvg:svgBlip xmlns:asvg="http://schemas.microsoft.com/office/drawing/2016/SVG/main" r:embed="rId17"/>
+                </a:ext>
+              </a:extLst>
+            </a:blip>
+            <a:stretch>
+              <a:fillRect/>
+            </a:stretch>
+          </p:blipFill>
+          <p:spPr>
+            <a:xfrm>
+              <a:off x="1389935" y="1374606"/>
+              <a:ext cx="469900" cy="469900"/>
+            </a:xfrm>
+            <a:prstGeom prst="rect">
+              <a:avLst/>
+            </a:prstGeom>
+          </p:spPr>
+        </p:pic>
+        <p:pic>
+          <p:nvPicPr>
+            <p:cNvPr id="38" name="Graphic 37">
+              <a:extLst>
+                <a:ext uri="{FF2B5EF4-FFF2-40B4-BE49-F238E27FC236}">
+                  <a16:creationId xmlns:a16="http://schemas.microsoft.com/office/drawing/2014/main" id="{AD2FACB8-9DA6-6040-9593-6A15858CD7DA}"/>
+                </a:ext>
+              </a:extLst>
+            </p:cNvPr>
+            <p:cNvPicPr>
+              <a:picLocks noChangeAspect="1"/>
+            </p:cNvPicPr>
+            <p:nvPr/>
+          </p:nvPicPr>
+          <p:blipFill>
+            <a:blip r:embed="rId18">
+              <a:extLst>
+                <a:ext uri="{96DAC541-7B7A-43D3-8B79-37D633B846F1}">
+                  <asvg:svgBlip xmlns:asvg="http://schemas.microsoft.com/office/drawing/2016/SVG/main" r:embed="rId19"/>
+                </a:ext>
+              </a:extLst>
+            </a:blip>
+            <a:stretch>
+              <a:fillRect/>
+            </a:stretch>
+          </p:blipFill>
+          <p:spPr>
+            <a:xfrm>
+              <a:off x="1389935" y="916464"/>
+              <a:ext cx="469900" cy="469900"/>
+            </a:xfrm>
+            <a:prstGeom prst="rect">
+              <a:avLst/>
+            </a:prstGeom>
+          </p:spPr>
+        </p:pic>
+        <p:sp>
+          <p:nvSpPr>
+            <p:cNvPr id="39" name="TextBox 38">
+              <a:extLst>
+                <a:ext uri="{FF2B5EF4-FFF2-40B4-BE49-F238E27FC236}">
+                  <a16:creationId xmlns:a16="http://schemas.microsoft.com/office/drawing/2014/main" id="{17450340-542A-094B-A6EC-CC79AEC78B42}"/>
+                </a:ext>
+              </a:extLst>
+            </p:cNvPr>
+            <p:cNvSpPr txBox="1"/>
+            <p:nvPr/>
+          </p:nvSpPr>
+          <p:spPr>
+            <a:xfrm>
+              <a:off x="276931" y="1374606"/>
+              <a:ext cx="1230552" cy="430887"/>
+            </a:xfrm>
+            <a:prstGeom prst="rect">
+              <a:avLst/>
+            </a:prstGeom>
+            <a:noFill/>
+          </p:spPr>
+          <p:txBody>
+            <a:bodyPr vert="horz" wrap="square" rtlCol="0">
+              <a:spAutoFit/>
+            </a:bodyPr>
+            <a:lstStyle/>
+            <a:p>
+              <a:pPr algn="ctr"/>
+              <a:r>
+                <a:rPr lang="en-US" sz="1100" dirty="0"/>
+                <a:t>Sensor Data</a:t>
+              </a:r>
+            </a:p>
+            <a:p>
+              <a:pPr algn="ctr"/>
+              <a:r>
+                <a:rPr lang="en-US" sz="1100" dirty="0"/>
+                <a:t>(Simulated)</a:t>
+              </a:r>
+            </a:p>
+          </p:txBody>
+        </p:sp>
+      </p:grpSp>
+      <p:grpSp>
+        <p:nvGrpSpPr>
+          <p:cNvPr id="43" name="Group 42">
+            <a:extLst>
+              <a:ext uri="{FF2B5EF4-FFF2-40B4-BE49-F238E27FC236}">
+                <a16:creationId xmlns:a16="http://schemas.microsoft.com/office/drawing/2014/main" id="{5A4E1CD8-E455-8242-A93E-8A17475D3948}"/>
+              </a:ext>
+            </a:extLst>
+          </p:cNvPr>
+          <p:cNvGrpSpPr/>
+          <p:nvPr/>
+        </p:nvGrpSpPr>
+        <p:grpSpPr>
+          <a:xfrm>
+            <a:off x="250208" y="2908068"/>
+            <a:ext cx="1895950" cy="1351521"/>
+            <a:chOff x="301274" y="2616153"/>
+            <a:chExt cx="1513305" cy="851903"/>
+          </a:xfrm>
+        </p:grpSpPr>
+        <p:sp>
+          <p:nvSpPr>
+            <p:cNvPr id="40" name="TextBox 39">
+              <a:extLst>
+                <a:ext uri="{FF2B5EF4-FFF2-40B4-BE49-F238E27FC236}">
+                  <a16:creationId xmlns:a16="http://schemas.microsoft.com/office/drawing/2014/main" id="{CB501E44-5DC2-454E-98D4-6295034B81B7}"/>
+                </a:ext>
+              </a:extLst>
+            </p:cNvPr>
+            <p:cNvSpPr txBox="1"/>
+            <p:nvPr/>
+          </p:nvSpPr>
+          <p:spPr>
+            <a:xfrm>
+              <a:off x="301274" y="3002455"/>
+              <a:ext cx="1513305" cy="465601"/>
+            </a:xfrm>
+            <a:prstGeom prst="rect">
+              <a:avLst/>
+            </a:prstGeom>
+            <a:noFill/>
+          </p:spPr>
+          <p:txBody>
+            <a:bodyPr wrap="square" rtlCol="0">
+              <a:spAutoFit/>
+            </a:bodyPr>
+            <a:lstStyle/>
+            <a:p>
+              <a:pPr algn="ctr"/>
+              <a:r>
+                <a:rPr lang="en-US" sz="1400" dirty="0"/>
+                <a:t>Docker Container</a:t>
+              </a:r>
+            </a:p>
+            <a:p>
+              <a:pPr algn="ctr"/>
+              <a:r>
+                <a:rPr lang="en-US" sz="1400" dirty="0"/>
+                <a:t>(Local Display &amp; Control)</a:t>
+              </a:r>
+            </a:p>
+          </p:txBody>
+        </p:sp>
+        <p:pic>
+          <p:nvPicPr>
+            <p:cNvPr id="41" name="Graphic 40">
+              <a:extLst>
+                <a:ext uri="{FF2B5EF4-FFF2-40B4-BE49-F238E27FC236}">
+                  <a16:creationId xmlns:a16="http://schemas.microsoft.com/office/drawing/2014/main" id="{6440705D-8C5C-EE4B-B19E-508B9B44AA9B}"/>
+                </a:ext>
+              </a:extLst>
+            </p:cNvPr>
+            <p:cNvPicPr>
+              <a:picLocks noChangeAspect="1"/>
+            </p:cNvPicPr>
+            <p:nvPr/>
+          </p:nvPicPr>
+          <p:blipFill>
+            <a:blip r:embed="rId20">
+              <a:extLst>
+                <a:ext uri="{96DAC541-7B7A-43D3-8B79-37D633B846F1}">
+                  <asvg:svgBlip xmlns:asvg="http://schemas.microsoft.com/office/drawing/2016/SVG/main" r:embed="rId21"/>
+                </a:ext>
+              </a:extLst>
+            </a:blip>
+            <a:stretch>
+              <a:fillRect/>
+            </a:stretch>
+          </p:blipFill>
+          <p:spPr>
+            <a:xfrm>
+              <a:off x="822976" y="2616153"/>
+              <a:ext cx="469900" cy="469900"/>
+            </a:xfrm>
+            <a:prstGeom prst="rect">
+              <a:avLst/>
+            </a:prstGeom>
+          </p:spPr>
+        </p:pic>
+      </p:grpSp>
+      <p:pic>
+        <p:nvPicPr>
+          <p:cNvPr id="42" name="Graphic 41">
+            <a:extLst>
+              <a:ext uri="{FF2B5EF4-FFF2-40B4-BE49-F238E27FC236}">
+                <a16:creationId xmlns:a16="http://schemas.microsoft.com/office/drawing/2014/main" id="{9519FC7B-22BC-7B49-8B29-D7410FA5A388}"/>
+              </a:ext>
+            </a:extLst>
+          </p:cNvPr>
+          <p:cNvPicPr>
+            <a:picLocks noChangeAspect="1"/>
+          </p:cNvPicPr>
+          <p:nvPr/>
+        </p:nvPicPr>
+        <p:blipFill>
+          <a:blip r:embed="rId20">
+            <a:extLst>
+              <a:ext uri="{96DAC541-7B7A-43D3-8B79-37D633B846F1}">
+                <asvg:svgBlip xmlns:asvg="http://schemas.microsoft.com/office/drawing/2016/SVG/main" r:embed="rId21"/>
+              </a:ext>
+            </a:extLst>
+          </a:blip>
+          <a:stretch>
+            <a:fillRect/>
+          </a:stretch>
+        </p:blipFill>
+        <p:spPr>
+          <a:xfrm>
+            <a:off x="2167990" y="347144"/>
+            <a:ext cx="469900" cy="469900"/>
+          </a:xfrm>
+          <a:prstGeom prst="rect">
+            <a:avLst/>
+          </a:prstGeom>
+        </p:spPr>
+      </p:pic>
+      <p:grpSp>
+        <p:nvGrpSpPr>
+          <p:cNvPr id="50" name="Group 49">
+            <a:extLst>
+              <a:ext uri="{FF2B5EF4-FFF2-40B4-BE49-F238E27FC236}">
+                <a16:creationId xmlns:a16="http://schemas.microsoft.com/office/drawing/2014/main" id="{3FF3067D-9B72-CB42-B818-E5308C652A85}"/>
+              </a:ext>
+            </a:extLst>
+          </p:cNvPr>
+          <p:cNvGrpSpPr/>
+          <p:nvPr/>
+        </p:nvGrpSpPr>
+        <p:grpSpPr>
+          <a:xfrm>
+            <a:off x="2158679" y="930845"/>
+            <a:ext cx="731520" cy="1057409"/>
+            <a:chOff x="780917" y="4479875"/>
+            <a:chExt cx="731520" cy="1057409"/>
+          </a:xfrm>
+        </p:grpSpPr>
+        <p:pic>
+          <p:nvPicPr>
+            <p:cNvPr id="44" name="Graphic 43">
+              <a:extLst>
+                <a:ext uri="{FF2B5EF4-FFF2-40B4-BE49-F238E27FC236}">
+                  <a16:creationId xmlns:a16="http://schemas.microsoft.com/office/drawing/2014/main" id="{3305D0E0-0E2F-6144-8DA0-F2C25037C84B}"/>
+                </a:ext>
+              </a:extLst>
+            </p:cNvPr>
+            <p:cNvPicPr>
+              <a:picLocks noChangeAspect="1"/>
+            </p:cNvPicPr>
+            <p:nvPr/>
+          </p:nvPicPr>
+          <p:blipFill>
+            <a:blip r:embed="rId22">
+              <a:extLst>
+                <a:ext uri="{96DAC541-7B7A-43D3-8B79-37D633B846F1}">
+                  <asvg:svgBlip xmlns:asvg="http://schemas.microsoft.com/office/drawing/2016/SVG/main" r:embed="rId23"/>
+                </a:ext>
+              </a:extLst>
+            </a:blip>
+            <a:stretch>
+              <a:fillRect/>
+            </a:stretch>
+          </p:blipFill>
+          <p:spPr>
+            <a:xfrm>
+              <a:off x="924136" y="4479875"/>
+              <a:ext cx="469900" cy="469900"/>
+            </a:xfrm>
+            <a:prstGeom prst="rect">
+              <a:avLst/>
+            </a:prstGeom>
+          </p:spPr>
+        </p:pic>
+        <p:sp>
+          <p:nvSpPr>
+            <p:cNvPr id="45" name="TextBox 44">
+              <a:extLst>
+                <a:ext uri="{FF2B5EF4-FFF2-40B4-BE49-F238E27FC236}">
+                  <a16:creationId xmlns:a16="http://schemas.microsoft.com/office/drawing/2014/main" id="{C37DC7EA-DD81-8A40-9E71-08A1481A6329}"/>
+                </a:ext>
+              </a:extLst>
+            </p:cNvPr>
+            <p:cNvSpPr txBox="1"/>
+            <p:nvPr/>
+          </p:nvSpPr>
+          <p:spPr>
+            <a:xfrm>
+              <a:off x="780917" y="4988644"/>
+              <a:ext cx="731520" cy="548640"/>
+            </a:xfrm>
+            <a:prstGeom prst="rect">
+              <a:avLst/>
+            </a:prstGeom>
+            <a:noFill/>
+          </p:spPr>
+          <p:txBody>
+            <a:bodyPr wrap="square" lIns="0" tIns="0" rIns="0" bIns="0" rtlCol="0" anchor="t">
+              <a:noAutofit/>
+            </a:bodyPr>
+            <a:lstStyle/>
+            <a:p>
+              <a:pPr algn="ctr"/>
+              <a:r>
+                <a:rPr lang="en-US" sz="1200" dirty="0"/>
+                <a:t>Sensor</a:t>
+              </a:r>
+            </a:p>
+            <a:p>
+              <a:pPr algn="ctr"/>
+              <a:r>
+                <a:rPr lang="en-US" sz="1200" dirty="0"/>
+                <a:t>Source</a:t>
+              </a:r>
+              <a:endParaRPr lang="en-US" sz="2800" dirty="0"/>
+            </a:p>
+          </p:txBody>
+        </p:sp>
+      </p:grpSp>
+      <p:grpSp>
+        <p:nvGrpSpPr>
+          <p:cNvPr id="51" name="Group 50">
+            <a:extLst>
+              <a:ext uri="{FF2B5EF4-FFF2-40B4-BE49-F238E27FC236}">
+                <a16:creationId xmlns:a16="http://schemas.microsoft.com/office/drawing/2014/main" id="{BEE57DDB-620A-F043-AB8B-DCD146E95031}"/>
+              </a:ext>
+            </a:extLst>
+          </p:cNvPr>
+          <p:cNvGrpSpPr/>
+          <p:nvPr/>
+        </p:nvGrpSpPr>
+        <p:grpSpPr>
+          <a:xfrm>
+            <a:off x="2995699" y="1400745"/>
+            <a:ext cx="731520" cy="1057409"/>
+            <a:chOff x="2055102" y="4630286"/>
+            <a:chExt cx="731520" cy="1057409"/>
+          </a:xfrm>
+        </p:grpSpPr>
+        <p:pic>
+          <p:nvPicPr>
+            <p:cNvPr id="46" name="Graphic 45">
+              <a:extLst>
+                <a:ext uri="{FF2B5EF4-FFF2-40B4-BE49-F238E27FC236}">
+                  <a16:creationId xmlns:a16="http://schemas.microsoft.com/office/drawing/2014/main" id="{AF73807E-3441-0345-9708-2C6D1FB86E77}"/>
+                </a:ext>
+              </a:extLst>
+            </p:cNvPr>
+            <p:cNvPicPr>
+              <a:picLocks noChangeAspect="1"/>
+            </p:cNvPicPr>
+            <p:nvPr/>
+          </p:nvPicPr>
+          <p:blipFill>
+            <a:blip r:embed="rId22">
+              <a:extLst>
+                <a:ext uri="{96DAC541-7B7A-43D3-8B79-37D633B846F1}">
+                  <asvg:svgBlip xmlns:asvg="http://schemas.microsoft.com/office/drawing/2016/SVG/main" r:embed="rId23"/>
+                </a:ext>
+              </a:extLst>
+            </a:blip>
+            <a:stretch>
+              <a:fillRect/>
+            </a:stretch>
+          </p:blipFill>
+          <p:spPr>
+            <a:xfrm>
+              <a:off x="2198321" y="4630286"/>
+              <a:ext cx="469900" cy="469900"/>
+            </a:xfrm>
+            <a:prstGeom prst="rect">
+              <a:avLst/>
+            </a:prstGeom>
+          </p:spPr>
+        </p:pic>
+        <p:sp>
+          <p:nvSpPr>
+            <p:cNvPr id="47" name="TextBox 46">
+              <a:extLst>
+                <a:ext uri="{FF2B5EF4-FFF2-40B4-BE49-F238E27FC236}">
+                  <a16:creationId xmlns:a16="http://schemas.microsoft.com/office/drawing/2014/main" id="{79E784D7-4DBF-8845-AF28-F14754E9EEE4}"/>
+                </a:ext>
+              </a:extLst>
+            </p:cNvPr>
+            <p:cNvSpPr txBox="1"/>
+            <p:nvPr/>
+          </p:nvSpPr>
+          <p:spPr>
+            <a:xfrm>
+              <a:off x="2055102" y="5139055"/>
+              <a:ext cx="731520" cy="548640"/>
+            </a:xfrm>
+            <a:prstGeom prst="rect">
+              <a:avLst/>
+            </a:prstGeom>
+            <a:noFill/>
+          </p:spPr>
+          <p:txBody>
+            <a:bodyPr wrap="square" lIns="0" tIns="0" rIns="0" bIns="0" rtlCol="0" anchor="t">
+              <a:noAutofit/>
+            </a:bodyPr>
+            <a:lstStyle/>
+            <a:p>
+              <a:pPr algn="ctr"/>
+              <a:r>
+                <a:rPr lang="en-US" sz="1200" dirty="0"/>
+                <a:t>Stream</a:t>
+              </a:r>
+            </a:p>
+            <a:p>
+              <a:pPr algn="ctr"/>
+              <a:r>
+                <a:rPr lang="en-US" sz="1200" dirty="0"/>
+                <a:t>Producer</a:t>
+              </a:r>
+              <a:endParaRPr lang="en-US" sz="2800" dirty="0"/>
+            </a:p>
+          </p:txBody>
+        </p:sp>
+      </p:grpSp>
+      <p:grpSp>
+        <p:nvGrpSpPr>
+          <p:cNvPr id="52" name="Group 51">
+            <a:extLst>
+              <a:ext uri="{FF2B5EF4-FFF2-40B4-BE49-F238E27FC236}">
+                <a16:creationId xmlns:a16="http://schemas.microsoft.com/office/drawing/2014/main" id="{4CD0AE0B-D808-F74F-8725-6D8EF4579570}"/>
+              </a:ext>
+            </a:extLst>
+          </p:cNvPr>
+          <p:cNvGrpSpPr/>
+          <p:nvPr/>
+        </p:nvGrpSpPr>
+        <p:grpSpPr>
+          <a:xfrm>
+            <a:off x="3003854" y="2619329"/>
+            <a:ext cx="731520" cy="1057409"/>
+            <a:chOff x="3472506" y="4905793"/>
+            <a:chExt cx="731520" cy="1057409"/>
+          </a:xfrm>
+        </p:grpSpPr>
+        <p:pic>
+          <p:nvPicPr>
+            <p:cNvPr id="48" name="Graphic 47">
+              <a:extLst>
+                <a:ext uri="{FF2B5EF4-FFF2-40B4-BE49-F238E27FC236}">
+                  <a16:creationId xmlns:a16="http://schemas.microsoft.com/office/drawing/2014/main" id="{7E4EBF4F-F886-784F-9087-A4392296F8F0}"/>
+                </a:ext>
+              </a:extLst>
+            </p:cNvPr>
+            <p:cNvPicPr>
+              <a:picLocks noChangeAspect="1"/>
+            </p:cNvPicPr>
+            <p:nvPr/>
+          </p:nvPicPr>
+          <p:blipFill>
+            <a:blip r:embed="rId22">
+              <a:extLst>
+                <a:ext uri="{96DAC541-7B7A-43D3-8B79-37D633B846F1}">
+                  <asvg:svgBlip xmlns:asvg="http://schemas.microsoft.com/office/drawing/2016/SVG/main" r:embed="rId23"/>
+                </a:ext>
+              </a:extLst>
+            </a:blip>
+            <a:stretch>
+              <a:fillRect/>
+            </a:stretch>
+          </p:blipFill>
+          <p:spPr>
+            <a:xfrm>
+              <a:off x="3615725" y="4905793"/>
+              <a:ext cx="469900" cy="469900"/>
+            </a:xfrm>
+            <a:prstGeom prst="rect">
+              <a:avLst/>
+            </a:prstGeom>
+          </p:spPr>
+        </p:pic>
+        <p:sp>
+          <p:nvSpPr>
+            <p:cNvPr id="49" name="TextBox 48">
+              <a:extLst>
+                <a:ext uri="{FF2B5EF4-FFF2-40B4-BE49-F238E27FC236}">
+                  <a16:creationId xmlns:a16="http://schemas.microsoft.com/office/drawing/2014/main" id="{9CF5B2CF-455A-3249-9846-C64D8982F022}"/>
+                </a:ext>
+              </a:extLst>
+            </p:cNvPr>
+            <p:cNvSpPr txBox="1"/>
+            <p:nvPr/>
+          </p:nvSpPr>
+          <p:spPr>
+            <a:xfrm>
+              <a:off x="3472506" y="5414562"/>
+              <a:ext cx="731520" cy="548640"/>
+            </a:xfrm>
+            <a:prstGeom prst="rect">
+              <a:avLst/>
+            </a:prstGeom>
+            <a:noFill/>
+          </p:spPr>
+          <p:txBody>
+            <a:bodyPr wrap="square" lIns="0" tIns="0" rIns="0" bIns="0" rtlCol="0" anchor="t">
+              <a:noAutofit/>
+            </a:bodyPr>
+            <a:lstStyle/>
+            <a:p>
+              <a:pPr algn="ctr"/>
+              <a:r>
+                <a:rPr lang="en-US" sz="1200" dirty="0"/>
+                <a:t>Stream</a:t>
+              </a:r>
+            </a:p>
+            <a:p>
+              <a:pPr algn="ctr"/>
+              <a:r>
+                <a:rPr lang="en-US" sz="1200" dirty="0"/>
+                <a:t>Aggregator</a:t>
+              </a:r>
+              <a:endParaRPr lang="en-US" sz="2800" dirty="0"/>
+            </a:p>
+          </p:txBody>
+        </p:sp>
+      </p:grpSp>
+      <p:sp>
+        <p:nvSpPr>
+          <p:cNvPr id="57" name="Freeform 56">
+            <a:extLst>
+              <a:ext uri="{FF2B5EF4-FFF2-40B4-BE49-F238E27FC236}">
+                <a16:creationId xmlns:a16="http://schemas.microsoft.com/office/drawing/2014/main" id="{A85E1EAA-4E4A-AA41-B11B-889D621159A5}"/>
+              </a:ext>
+            </a:extLst>
+          </p:cNvPr>
+          <p:cNvSpPr/>
+          <p:nvPr/>
+        </p:nvSpPr>
+        <p:spPr>
+          <a:xfrm rot="16200000" flipH="1" flipV="1">
+            <a:off x="1884443" y="1737903"/>
+            <a:ext cx="541853" cy="711200"/>
+          </a:xfrm>
+          <a:custGeom>
+            <a:avLst/>
+            <a:gdLst>
+              <a:gd name="connsiteX0" fmla="*/ 1371600 w 1371600"/>
+              <a:gd name="connsiteY0" fmla="*/ 711200 h 711200"/>
+              <a:gd name="connsiteX1" fmla="*/ 1371600 w 1371600"/>
+              <a:gd name="connsiteY1" fmla="*/ 0 h 711200"/>
+              <a:gd name="connsiteX2" fmla="*/ 0 w 1371600"/>
+              <a:gd name="connsiteY2" fmla="*/ 0 h 711200"/>
+            </a:gdLst>
+            <a:ahLst/>
+            <a:cxnLst>
+              <a:cxn ang="0">
+                <a:pos x="connsiteX0" y="connsiteY0"/>
+              </a:cxn>
+              <a:cxn ang="0">
+                <a:pos x="connsiteX1" y="connsiteY1"/>
+              </a:cxn>
+              <a:cxn ang="0">
+                <a:pos x="connsiteX2" y="connsiteY2"/>
+              </a:cxn>
+            </a:cxnLst>
+            <a:rect l="l" t="t" r="r" b="b"/>
+            <a:pathLst>
+              <a:path w="1371600" h="711200">
+                <a:moveTo>
+                  <a:pt x="1371600" y="711200"/>
+                </a:moveTo>
+                <a:lnTo>
+                  <a:pt x="1371600" y="0"/>
+                </a:lnTo>
+                <a:lnTo>
+                  <a:pt x="0" y="0"/>
+                </a:lnTo>
+              </a:path>
+            </a:pathLst>
+          </a:custGeom>
+          <a:noFill/>
+          <a:ln w="12700">
+            <a:solidFill>
+              <a:schemeClr val="tx2"/>
+            </a:solidFill>
+            <a:headEnd type="none" w="med" len="sm"/>
+            <a:tailEnd type="arrow" w="med" len="sm"/>
+          </a:ln>
+        </p:spPr>
+        <p:style>
+          <a:lnRef idx="2">
+            <a:schemeClr val="accent1">
+              <a:shade val="50000"/>
+            </a:schemeClr>
+          </a:lnRef>
+          <a:fillRef idx="1">
+            <a:schemeClr val="accent1"/>
+          </a:fillRef>
+          <a:effectRef idx="0">
+            <a:schemeClr val="accent1"/>
+          </a:effectRef>
+          <a:fontRef idx="minor">
+            <a:schemeClr val="lt1"/>
+          </a:fontRef>
+        </p:style>
+        <p:txBody>
+          <a:bodyPr rtlCol="0" anchor="ctr"/>
+          <a:lstStyle/>
+          <a:p>
+            <a:pPr algn="ctr"/>
+            <a:endParaRPr lang="en-US"/>
+          </a:p>
+        </p:txBody>
+      </p:sp>
+      <p:sp>
+        <p:nvSpPr>
+          <p:cNvPr id="59" name="Freeform 58">
+            <a:extLst>
+              <a:ext uri="{FF2B5EF4-FFF2-40B4-BE49-F238E27FC236}">
+                <a16:creationId xmlns:a16="http://schemas.microsoft.com/office/drawing/2014/main" id="{52454277-875B-3044-9953-B22851AC681C}"/>
+              </a:ext>
+            </a:extLst>
+          </p:cNvPr>
+          <p:cNvSpPr/>
+          <p:nvPr/>
+        </p:nvSpPr>
+        <p:spPr>
+          <a:xfrm rot="5400000" flipH="1" flipV="1">
+            <a:off x="1253988" y="2307509"/>
+            <a:ext cx="640461" cy="754299"/>
+          </a:xfrm>
+          <a:custGeom>
+            <a:avLst/>
+            <a:gdLst>
+              <a:gd name="connsiteX0" fmla="*/ 1371600 w 1371600"/>
+              <a:gd name="connsiteY0" fmla="*/ 711200 h 711200"/>
+              <a:gd name="connsiteX1" fmla="*/ 1371600 w 1371600"/>
+              <a:gd name="connsiteY1" fmla="*/ 0 h 711200"/>
+              <a:gd name="connsiteX2" fmla="*/ 0 w 1371600"/>
+              <a:gd name="connsiteY2" fmla="*/ 0 h 711200"/>
+            </a:gdLst>
+            <a:ahLst/>
+            <a:cxnLst>
+              <a:cxn ang="0">
+                <a:pos x="connsiteX0" y="connsiteY0"/>
+              </a:cxn>
+              <a:cxn ang="0">
+                <a:pos x="connsiteX1" y="connsiteY1"/>
+              </a:cxn>
+              <a:cxn ang="0">
+                <a:pos x="connsiteX2" y="connsiteY2"/>
+              </a:cxn>
+            </a:cxnLst>
+            <a:rect l="l" t="t" r="r" b="b"/>
+            <a:pathLst>
+              <a:path w="1371600" h="711200">
+                <a:moveTo>
+                  <a:pt x="1371600" y="711200"/>
+                </a:moveTo>
+                <a:lnTo>
+                  <a:pt x="1371600" y="0"/>
+                </a:lnTo>
+                <a:lnTo>
+                  <a:pt x="0" y="0"/>
+                </a:lnTo>
+              </a:path>
+            </a:pathLst>
+          </a:custGeom>
+          <a:noFill/>
+          <a:ln w="12700">
+            <a:solidFill>
+              <a:schemeClr val="tx2"/>
+            </a:solidFill>
+            <a:headEnd type="none" w="med" len="sm"/>
+            <a:tailEnd type="none" w="med" len="sm"/>
+          </a:ln>
+        </p:spPr>
+        <p:style>
+          <a:lnRef idx="2">
+            <a:schemeClr val="accent1">
+              <a:shade val="50000"/>
+            </a:schemeClr>
+          </a:lnRef>
+          <a:fillRef idx="1">
+            <a:schemeClr val="accent1"/>
+          </a:fillRef>
+          <a:effectRef idx="0">
+            <a:schemeClr val="accent1"/>
+          </a:effectRef>
+          <a:fontRef idx="minor">
+            <a:schemeClr val="lt1"/>
+          </a:fontRef>
+        </p:style>
+        <p:txBody>
+          <a:bodyPr rtlCol="0" anchor="ctr"/>
+          <a:lstStyle/>
+          <a:p>
+            <a:pPr algn="ctr"/>
+            <a:endParaRPr lang="en-US"/>
+          </a:p>
+        </p:txBody>
+      </p:sp>
+      <p:sp>
+        <p:nvSpPr>
+          <p:cNvPr id="61" name="Freeform 60">
+            <a:extLst>
+              <a:ext uri="{FF2B5EF4-FFF2-40B4-BE49-F238E27FC236}">
+                <a16:creationId xmlns:a16="http://schemas.microsoft.com/office/drawing/2014/main" id="{54252246-004C-1041-A45B-251A33B9577C}"/>
+              </a:ext>
+            </a:extLst>
+          </p:cNvPr>
+          <p:cNvSpPr/>
+          <p:nvPr/>
+        </p:nvSpPr>
+        <p:spPr>
+          <a:xfrm rot="5400000" flipH="1">
+            <a:off x="2999537" y="994368"/>
+            <a:ext cx="204475" cy="530541"/>
+          </a:xfrm>
+          <a:custGeom>
+            <a:avLst/>
+            <a:gdLst>
+              <a:gd name="connsiteX0" fmla="*/ 1371600 w 1371600"/>
+              <a:gd name="connsiteY0" fmla="*/ 711200 h 711200"/>
+              <a:gd name="connsiteX1" fmla="*/ 1371600 w 1371600"/>
+              <a:gd name="connsiteY1" fmla="*/ 0 h 711200"/>
+              <a:gd name="connsiteX2" fmla="*/ 0 w 1371600"/>
+              <a:gd name="connsiteY2" fmla="*/ 0 h 711200"/>
+            </a:gdLst>
+            <a:ahLst/>
+            <a:cxnLst>
+              <a:cxn ang="0">
+                <a:pos x="connsiteX0" y="connsiteY0"/>
+              </a:cxn>
+              <a:cxn ang="0">
+                <a:pos x="connsiteX1" y="connsiteY1"/>
+              </a:cxn>
+              <a:cxn ang="0">
+                <a:pos x="connsiteX2" y="connsiteY2"/>
+              </a:cxn>
+            </a:cxnLst>
+            <a:rect l="l" t="t" r="r" b="b"/>
+            <a:pathLst>
+              <a:path w="1371600" h="711200">
+                <a:moveTo>
+                  <a:pt x="1371600" y="711200"/>
+                </a:moveTo>
+                <a:lnTo>
+                  <a:pt x="1371600" y="0"/>
+                </a:lnTo>
+                <a:lnTo>
+                  <a:pt x="0" y="0"/>
+                </a:lnTo>
+              </a:path>
+            </a:pathLst>
+          </a:custGeom>
+          <a:noFill/>
+          <a:ln w="12700">
+            <a:solidFill>
+              <a:schemeClr val="tx2"/>
+            </a:solidFill>
+            <a:headEnd type="none" w="med" len="sm"/>
+            <a:tailEnd type="arrow" w="med" len="sm"/>
+          </a:ln>
+        </p:spPr>
+        <p:style>
+          <a:lnRef idx="2">
+            <a:schemeClr val="accent1">
+              <a:shade val="50000"/>
+            </a:schemeClr>
+          </a:lnRef>
+          <a:fillRef idx="1">
+            <a:schemeClr val="accent1"/>
+          </a:fillRef>
+          <a:effectRef idx="0">
+            <a:schemeClr val="accent1"/>
+          </a:effectRef>
+          <a:fontRef idx="minor">
+            <a:schemeClr val="lt1"/>
+          </a:fontRef>
+        </p:style>
+        <p:txBody>
+          <a:bodyPr rtlCol="0" anchor="ctr"/>
+          <a:lstStyle/>
+          <a:p>
+            <a:pPr algn="ctr"/>
+            <a:endParaRPr lang="en-US"/>
+          </a:p>
+        </p:txBody>
+      </p:sp>
+      <p:cxnSp>
+        <p:nvCxnSpPr>
+          <p:cNvPr id="62" name="Elbow Connector 61">
+            <a:extLst>
+              <a:ext uri="{FF2B5EF4-FFF2-40B4-BE49-F238E27FC236}">
+                <a16:creationId xmlns:a16="http://schemas.microsoft.com/office/drawing/2014/main" id="{D88C83FD-11BA-AB41-968B-464D779DC53E}"/>
+              </a:ext>
+            </a:extLst>
+          </p:cNvPr>
+          <p:cNvCxnSpPr>
+            <a:cxnSpLocks/>
+          </p:cNvCxnSpPr>
+          <p:nvPr/>
+        </p:nvCxnSpPr>
+        <p:spPr>
+          <a:xfrm flipV="1">
+            <a:off x="3651633" y="1416976"/>
+            <a:ext cx="996226" cy="203229"/>
+          </a:xfrm>
+          <a:prstGeom prst="bentConnector3">
+            <a:avLst>
+              <a:gd name="adj1" fmla="val 23931"/>
+            </a:avLst>
+          </a:prstGeom>
+          <a:ln w="12700">
+            <a:solidFill>
+              <a:srgbClr val="545B64"/>
+            </a:solidFill>
+            <a:headEnd type="none" w="med" len="sm"/>
+            <a:tailEnd type="arrow" w="med" len="sm"/>
+          </a:ln>
+        </p:spPr>
+        <p:style>
+          <a:lnRef idx="1">
+            <a:schemeClr val="accent1"/>
+          </a:lnRef>
+          <a:fillRef idx="0">
+            <a:schemeClr val="accent1"/>
+          </a:fillRef>
+          <a:effectRef idx="0">
+            <a:schemeClr val="accent1"/>
+          </a:effectRef>
+          <a:fontRef idx="minor">
+            <a:schemeClr val="tx1"/>
+          </a:fontRef>
+        </p:style>
+      </p:cxnSp>
+      <p:cxnSp>
+        <p:nvCxnSpPr>
+          <p:cNvPr id="66" name="Elbow Connector 65">
+            <a:extLst>
+              <a:ext uri="{FF2B5EF4-FFF2-40B4-BE49-F238E27FC236}">
+                <a16:creationId xmlns:a16="http://schemas.microsoft.com/office/drawing/2014/main" id="{8388EEC1-4218-3548-9920-144AE69F8535}"/>
+              </a:ext>
+            </a:extLst>
+          </p:cNvPr>
+          <p:cNvCxnSpPr>
+            <a:cxnSpLocks/>
+          </p:cNvCxnSpPr>
+          <p:nvPr/>
+        </p:nvCxnSpPr>
+        <p:spPr>
+          <a:xfrm rot="10800000" flipV="1">
+            <a:off x="3378188" y="2414504"/>
+            <a:ext cx="309122" cy="161175"/>
+          </a:xfrm>
+          <a:prstGeom prst="bentConnector2">
+            <a:avLst/>
+          </a:prstGeom>
+          <a:ln w="12700">
+            <a:solidFill>
+              <a:srgbClr val="545B64"/>
+            </a:solidFill>
+            <a:headEnd type="none" w="med" len="sm"/>
+            <a:tailEnd type="arrow" w="med" len="sm"/>
+          </a:ln>
+        </p:spPr>
+        <p:style>
+          <a:lnRef idx="1">
+            <a:schemeClr val="accent1"/>
+          </a:lnRef>
+          <a:fillRef idx="0">
+            <a:schemeClr val="accent1"/>
+          </a:fillRef>
+          <a:effectRef idx="0">
+            <a:schemeClr val="accent1"/>
+          </a:effectRef>
+          <a:fontRef idx="minor">
+            <a:schemeClr val="tx1"/>
+          </a:fontRef>
+        </p:style>
+      </p:cxnSp>
+      <p:cxnSp>
+        <p:nvCxnSpPr>
+          <p:cNvPr id="71" name="Elbow Connector 70">
+            <a:extLst>
+              <a:ext uri="{FF2B5EF4-FFF2-40B4-BE49-F238E27FC236}">
+                <a16:creationId xmlns:a16="http://schemas.microsoft.com/office/drawing/2014/main" id="{A4AEB2C4-89A0-184E-92AE-F63E6931C900}"/>
+              </a:ext>
+            </a:extLst>
+          </p:cNvPr>
+          <p:cNvCxnSpPr>
+            <a:cxnSpLocks/>
+          </p:cNvCxnSpPr>
+          <p:nvPr/>
+        </p:nvCxnSpPr>
+        <p:spPr>
+          <a:xfrm flipV="1">
+            <a:off x="3613481" y="1558093"/>
+            <a:ext cx="990983" cy="855537"/>
+          </a:xfrm>
+          <a:prstGeom prst="bentConnector3">
+            <a:avLst>
+              <a:gd name="adj1" fmla="val 50000"/>
+            </a:avLst>
+          </a:prstGeom>
+          <a:ln w="12700">
+            <a:solidFill>
+              <a:srgbClr val="545B64"/>
+            </a:solidFill>
+            <a:headEnd type="none" w="med" len="med"/>
+            <a:tailEnd type="none" w="med" len="med"/>
+          </a:ln>
+        </p:spPr>
+        <p:style>
+          <a:lnRef idx="1">
+            <a:schemeClr val="accent1"/>
+          </a:lnRef>
+          <a:fillRef idx="0">
+            <a:schemeClr val="accent1"/>
+          </a:fillRef>
+          <a:effectRef idx="0">
+            <a:schemeClr val="accent1"/>
+          </a:effectRef>
+          <a:fontRef idx="minor">
+            <a:schemeClr val="tx1"/>
+          </a:fontRef>
+        </p:style>
+      </p:cxnSp>
+      <p:cxnSp>
+        <p:nvCxnSpPr>
+          <p:cNvPr id="73" name="Elbow Connector 72">
+            <a:extLst>
+              <a:ext uri="{FF2B5EF4-FFF2-40B4-BE49-F238E27FC236}">
+                <a16:creationId xmlns:a16="http://schemas.microsoft.com/office/drawing/2014/main" id="{E26344F5-376B-E049-9298-D20B48408C74}"/>
+              </a:ext>
+            </a:extLst>
+          </p:cNvPr>
+          <p:cNvCxnSpPr>
+            <a:cxnSpLocks/>
+          </p:cNvCxnSpPr>
+          <p:nvPr/>
+        </p:nvCxnSpPr>
+        <p:spPr>
+          <a:xfrm>
+            <a:off x="3634279" y="2854280"/>
+            <a:ext cx="1011186" cy="160207"/>
+          </a:xfrm>
+          <a:prstGeom prst="bentConnector3">
+            <a:avLst>
+              <a:gd name="adj1" fmla="val 50000"/>
+            </a:avLst>
+          </a:prstGeom>
+          <a:ln w="12700">
+            <a:solidFill>
+              <a:srgbClr val="545B64"/>
+            </a:solidFill>
+            <a:headEnd type="none" w="med" len="sm"/>
+            <a:tailEnd type="arrow" w="med" len="sm"/>
+          </a:ln>
+        </p:spPr>
+        <p:style>
+          <a:lnRef idx="1">
+            <a:schemeClr val="accent1"/>
+          </a:lnRef>
+          <a:fillRef idx="0">
+            <a:schemeClr val="accent1"/>
+          </a:fillRef>
+          <a:effectRef idx="0">
+            <a:schemeClr val="accent1"/>
+          </a:effectRef>
+          <a:fontRef idx="minor">
+            <a:schemeClr val="tx1"/>
+          </a:fontRef>
+        </p:style>
+      </p:cxnSp>
+      <p:cxnSp>
+        <p:nvCxnSpPr>
+          <p:cNvPr id="77" name="Elbow Connector 76">
+            <a:extLst>
+              <a:ext uri="{FF2B5EF4-FFF2-40B4-BE49-F238E27FC236}">
+                <a16:creationId xmlns:a16="http://schemas.microsoft.com/office/drawing/2014/main" id="{068F3DF3-9B11-284A-B49F-F6AB4FEA0120}"/>
+              </a:ext>
+            </a:extLst>
+          </p:cNvPr>
+          <p:cNvCxnSpPr>
+            <a:cxnSpLocks/>
+          </p:cNvCxnSpPr>
+          <p:nvPr/>
+        </p:nvCxnSpPr>
+        <p:spPr>
+          <a:xfrm rot="10800000">
+            <a:off x="1544190" y="3276601"/>
+            <a:ext cx="2463388" cy="455731"/>
+          </a:xfrm>
+          <a:prstGeom prst="bentConnector3">
+            <a:avLst>
+              <a:gd name="adj1" fmla="val 50000"/>
+            </a:avLst>
+          </a:prstGeom>
+          <a:ln w="12700">
+            <a:solidFill>
+              <a:srgbClr val="545B64"/>
+            </a:solidFill>
+            <a:headEnd type="none" w="med" len="sm"/>
+            <a:tailEnd type="arrow" w="med" len="sm"/>
+          </a:ln>
+        </p:spPr>
+        <p:style>
+          <a:lnRef idx="1">
+            <a:schemeClr val="accent1"/>
+          </a:lnRef>
+          <a:fillRef idx="0">
+            <a:schemeClr val="accent1"/>
+          </a:fillRef>
+          <a:effectRef idx="0">
+            <a:schemeClr val="accent1"/>
+          </a:effectRef>
+          <a:fontRef idx="minor">
+            <a:schemeClr val="tx1"/>
+          </a:fontRef>
+        </p:style>
+      </p:cxnSp>
+      <p:sp>
+        <p:nvSpPr>
+          <p:cNvPr id="83" name="TextBox 82">
+            <a:extLst>
+              <a:ext uri="{FF2B5EF4-FFF2-40B4-BE49-F238E27FC236}">
+                <a16:creationId xmlns:a16="http://schemas.microsoft.com/office/drawing/2014/main" id="{5B529D90-950D-8B4D-9658-0355DDE93DE7}"/>
+              </a:ext>
+            </a:extLst>
+          </p:cNvPr>
+          <p:cNvSpPr txBox="1"/>
+          <p:nvPr/>
+        </p:nvSpPr>
+        <p:spPr>
+          <a:xfrm>
+            <a:off x="8617353" y="490994"/>
+            <a:ext cx="997517" cy="523220"/>
+          </a:xfrm>
+          <a:prstGeom prst="rect">
+            <a:avLst/>
+          </a:prstGeom>
+          <a:noFill/>
+        </p:spPr>
+        <p:txBody>
+          <a:bodyPr wrap="none" rtlCol="0">
+            <a:spAutoFit/>
+          </a:bodyPr>
+          <a:lstStyle/>
+          <a:p>
+            <a:pPr algn="ctr"/>
+            <a:r>
+              <a:rPr lang="en-US" sz="1400" dirty="0"/>
+              <a:t>Optional</a:t>
+            </a:r>
+          </a:p>
+          <a:p>
+            <a:pPr algn="ctr"/>
+            <a:r>
+              <a:rPr lang="en-US" sz="1400" dirty="0"/>
+              <a:t>Consumers</a:t>
+            </a:r>
+          </a:p>
+        </p:txBody>
+      </p:sp>
+      <p:sp>
+        <p:nvSpPr>
+          <p:cNvPr id="84" name="TextBox 83">
+            <a:extLst>
+              <a:ext uri="{FF2B5EF4-FFF2-40B4-BE49-F238E27FC236}">
+                <a16:creationId xmlns:a16="http://schemas.microsoft.com/office/drawing/2014/main" id="{B2FCB0E0-6132-1F4D-9A87-F0804C67C2D3}"/>
+              </a:ext>
+            </a:extLst>
+          </p:cNvPr>
+          <p:cNvSpPr txBox="1"/>
+          <p:nvPr/>
+        </p:nvSpPr>
+        <p:spPr>
+          <a:xfrm>
+            <a:off x="4994591" y="5376452"/>
+            <a:ext cx="2037866" cy="369332"/>
+          </a:xfrm>
+          <a:prstGeom prst="rect">
+            <a:avLst/>
+          </a:prstGeom>
+          <a:noFill/>
+        </p:spPr>
+        <p:txBody>
+          <a:bodyPr wrap="none" rtlCol="0">
+            <a:spAutoFit/>
+          </a:bodyPr>
+          <a:lstStyle/>
+          <a:p>
+            <a:r>
+              <a:rPr lang="en-US" dirty="0"/>
+              <a:t>Overall architecture</a:t>
+            </a:r>
+          </a:p>
+        </p:txBody>
+      </p:sp>
+      <p:sp>
+        <p:nvSpPr>
+          <p:cNvPr id="85" name="Rectangle 84">
+            <a:extLst>
+              <a:ext uri="{FF2B5EF4-FFF2-40B4-BE49-F238E27FC236}">
+                <a16:creationId xmlns:a16="http://schemas.microsoft.com/office/drawing/2014/main" id="{A5EAC78E-5286-9E40-982F-78F5A26D4FED}"/>
+              </a:ext>
+            </a:extLst>
+          </p:cNvPr>
+          <p:cNvSpPr/>
+          <p:nvPr/>
+        </p:nvSpPr>
+        <p:spPr>
+          <a:xfrm>
+            <a:off x="8428384" y="1019531"/>
+            <a:ext cx="1461718" cy="3069785"/>
+          </a:xfrm>
+          <a:prstGeom prst="rect">
+            <a:avLst/>
+          </a:prstGeom>
+          <a:noFill/>
+          <a:ln w="12700">
+            <a:solidFill>
+              <a:srgbClr val="5A6B86"/>
+            </a:solidFill>
+            <a:prstDash val="dash"/>
+          </a:ln>
+        </p:spPr>
+        <p:style>
+          <a:lnRef idx="2">
+            <a:schemeClr val="accent1">
+              <a:shade val="50000"/>
+            </a:schemeClr>
+          </a:lnRef>
+          <a:fillRef idx="1">
+            <a:schemeClr val="accent1"/>
+          </a:fillRef>
+          <a:effectRef idx="0">
+            <a:schemeClr val="accent1"/>
+          </a:effectRef>
+          <a:fontRef idx="minor">
+            <a:schemeClr val="lt1"/>
+          </a:fontRef>
+        </p:style>
+        <p:txBody>
+          <a:bodyPr rot="0" spcFirstLastPara="0" vertOverflow="overflow" horzOverflow="overflow" vert="horz" wrap="square" lIns="91440" tIns="91440" rIns="91440" bIns="45720" numCol="1" spcCol="0" rtlCol="0" fromWordArt="0" anchor="t" anchorCtr="0" forceAA="0" compatLnSpc="1">
+            <a:prstTxWarp prst="textNoShape">
+              <a:avLst/>
+            </a:prstTxWarp>
+            <a:noAutofit/>
+          </a:bodyPr>
+          <a:lstStyle/>
+          <a:p>
+            <a:pPr algn="ctr"/>
+            <a:endParaRPr lang="en-US" sz="1200" dirty="0">
+              <a:solidFill>
+                <a:srgbClr val="5A6B86"/>
+              </a:solidFill>
+            </a:endParaRPr>
+          </a:p>
+        </p:txBody>
+      </p:sp>
+    </p:spTree>
+    <p:extLst>
+      <p:ext uri="{BB962C8B-B14F-4D97-AF65-F5344CB8AC3E}">
+        <p14:creationId xmlns:p14="http://schemas.microsoft.com/office/powerpoint/2010/main" val="2046997418"/>
       </p:ext>
     </p:extLst>
   </p:cSld>

--- a/accelerators/stream_manager/docs/Master Images.pptx
+++ b/accelerators/stream_manager/docs/Master Images.pptx
@@ -11581,10 +11581,10 @@
       </p:grpSp>
       <p:grpSp>
         <p:nvGrpSpPr>
-          <p:cNvPr id="52" name="Group 51">
-            <a:extLst>
-              <a:ext uri="{FF2B5EF4-FFF2-40B4-BE49-F238E27FC236}">
-                <a16:creationId xmlns:a16="http://schemas.microsoft.com/office/drawing/2014/main" id="{4CD0AE0B-D808-F74F-8725-6D8EF4579570}"/>
+          <p:cNvPr id="88" name="Group 87">
+            <a:extLst>
+              <a:ext uri="{FF2B5EF4-FFF2-40B4-BE49-F238E27FC236}">
+                <a16:creationId xmlns:a16="http://schemas.microsoft.com/office/drawing/2014/main" id="{92EF8515-AF10-B849-86EB-E2815E3382D3}"/>
               </a:ext>
             </a:extLst>
           </p:cNvPr>
@@ -11593,10 +11593,10 @@
         </p:nvGrpSpPr>
         <p:grpSpPr>
           <a:xfrm>
-            <a:off x="3003854" y="2619329"/>
-            <a:ext cx="731520" cy="1057409"/>
-            <a:chOff x="3472506" y="4905793"/>
-            <a:chExt cx="731520" cy="1057409"/>
+            <a:off x="2969071" y="2607817"/>
+            <a:ext cx="814720" cy="1057409"/>
+            <a:chOff x="3003854" y="2619329"/>
+            <a:chExt cx="814720" cy="1057409"/>
           </a:xfrm>
         </p:grpSpPr>
         <p:pic>
@@ -11627,7 +11627,7 @@
           </p:blipFill>
           <p:spPr>
             <a:xfrm>
-              <a:off x="3615725" y="4905793"/>
+              <a:off x="3176264" y="2619329"/>
               <a:ext cx="469900" cy="469900"/>
             </a:xfrm>
             <a:prstGeom prst="rect">
@@ -11649,8 +11649,8 @@
           </p:nvSpPr>
           <p:spPr>
             <a:xfrm>
-              <a:off x="3472506" y="5414562"/>
-              <a:ext cx="731520" cy="548640"/>
+              <a:off x="3003854" y="3128098"/>
+              <a:ext cx="814720" cy="548640"/>
             </a:xfrm>
             <a:prstGeom prst="rect">
               <a:avLst/>

--- a/accelerators/stream_manager/docs/Master Images.pptx
+++ b/accelerators/stream_manager/docs/Master Images.pptx
@@ -200,7 +200,7 @@
           <a:p>
             <a:fld id="{C651EA68-8216-444B-A9B9-6AB7A53198D1}" type="datetimeFigureOut">
               <a:rPr lang="en-US" smtClean="0"/>
-              <a:t>2/24/20</a:t>
+              <a:t>2/26/20</a:t>
             </a:fld>
             <a:endParaRPr lang="en-US"/>
           </a:p>
@@ -782,7 +782,7 @@
           <a:p>
             <a:fld id="{0191ADAD-C447-434A-91E8-24A385BB7D2D}" type="datetimeFigureOut">
               <a:rPr lang="en-US" smtClean="0"/>
-              <a:t>2/24/20</a:t>
+              <a:t>2/26/20</a:t>
             </a:fld>
             <a:endParaRPr lang="en-US"/>
           </a:p>
@@ -980,7 +980,7 @@
           <a:p>
             <a:fld id="{0191ADAD-C447-434A-91E8-24A385BB7D2D}" type="datetimeFigureOut">
               <a:rPr lang="en-US" smtClean="0"/>
-              <a:t>2/24/20</a:t>
+              <a:t>2/26/20</a:t>
             </a:fld>
             <a:endParaRPr lang="en-US"/>
           </a:p>
@@ -1188,7 +1188,7 @@
           <a:p>
             <a:fld id="{0191ADAD-C447-434A-91E8-24A385BB7D2D}" type="datetimeFigureOut">
               <a:rPr lang="en-US" smtClean="0"/>
-              <a:t>2/24/20</a:t>
+              <a:t>2/26/20</a:t>
             </a:fld>
             <a:endParaRPr lang="en-US"/>
           </a:p>
@@ -1386,7 +1386,7 @@
           <a:p>
             <a:fld id="{0191ADAD-C447-434A-91E8-24A385BB7D2D}" type="datetimeFigureOut">
               <a:rPr lang="en-US" smtClean="0"/>
-              <a:t>2/24/20</a:t>
+              <a:t>2/26/20</a:t>
             </a:fld>
             <a:endParaRPr lang="en-US"/>
           </a:p>
@@ -1661,7 +1661,7 @@
           <a:p>
             <a:fld id="{0191ADAD-C447-434A-91E8-24A385BB7D2D}" type="datetimeFigureOut">
               <a:rPr lang="en-US" smtClean="0"/>
-              <a:t>2/24/20</a:t>
+              <a:t>2/26/20</a:t>
             </a:fld>
             <a:endParaRPr lang="en-US"/>
           </a:p>
@@ -1926,7 +1926,7 @@
           <a:p>
             <a:fld id="{0191ADAD-C447-434A-91E8-24A385BB7D2D}" type="datetimeFigureOut">
               <a:rPr lang="en-US" smtClean="0"/>
-              <a:t>2/24/20</a:t>
+              <a:t>2/26/20</a:t>
             </a:fld>
             <a:endParaRPr lang="en-US"/>
           </a:p>
@@ -2338,7 +2338,7 @@
           <a:p>
             <a:fld id="{0191ADAD-C447-434A-91E8-24A385BB7D2D}" type="datetimeFigureOut">
               <a:rPr lang="en-US" smtClean="0"/>
-              <a:t>2/24/20</a:t>
+              <a:t>2/26/20</a:t>
             </a:fld>
             <a:endParaRPr lang="en-US"/>
           </a:p>
@@ -2479,7 +2479,7 @@
           <a:p>
             <a:fld id="{0191ADAD-C447-434A-91E8-24A385BB7D2D}" type="datetimeFigureOut">
               <a:rPr lang="en-US" smtClean="0"/>
-              <a:t>2/24/20</a:t>
+              <a:t>2/26/20</a:t>
             </a:fld>
             <a:endParaRPr lang="en-US"/>
           </a:p>
@@ -2592,7 +2592,7 @@
           <a:p>
             <a:fld id="{0191ADAD-C447-434A-91E8-24A385BB7D2D}" type="datetimeFigureOut">
               <a:rPr lang="en-US" smtClean="0"/>
-              <a:t>2/24/20</a:t>
+              <a:t>2/26/20</a:t>
             </a:fld>
             <a:endParaRPr lang="en-US"/>
           </a:p>
@@ -2903,7 +2903,7 @@
           <a:p>
             <a:fld id="{0191ADAD-C447-434A-91E8-24A385BB7D2D}" type="datetimeFigureOut">
               <a:rPr lang="en-US" smtClean="0"/>
-              <a:t>2/24/20</a:t>
+              <a:t>2/26/20</a:t>
             </a:fld>
             <a:endParaRPr lang="en-US"/>
           </a:p>
@@ -3191,7 +3191,7 @@
           <a:p>
             <a:fld id="{0191ADAD-C447-434A-91E8-24A385BB7D2D}" type="datetimeFigureOut">
               <a:rPr lang="en-US" smtClean="0"/>
-              <a:t>2/24/20</a:t>
+              <a:t>2/26/20</a:t>
             </a:fld>
             <a:endParaRPr lang="en-US"/>
           </a:p>
@@ -3432,7 +3432,7 @@
           <a:p>
             <a:fld id="{0191ADAD-C447-434A-91E8-24A385BB7D2D}" type="datetimeFigureOut">
               <a:rPr lang="en-US" smtClean="0"/>
-              <a:t>2/24/20</a:t>
+              <a:t>2/26/20</a:t>
             </a:fld>
             <a:endParaRPr lang="en-US"/>
           </a:p>
@@ -11256,9 +11256,9 @@
         <p:grpSpPr>
           <a:xfrm>
             <a:off x="250208" y="2908068"/>
-            <a:ext cx="1895950" cy="1351521"/>
+            <a:ext cx="1895950" cy="1136078"/>
             <a:chOff x="301274" y="2616153"/>
-            <a:chExt cx="1513305" cy="851903"/>
+            <a:chExt cx="1513305" cy="716103"/>
           </a:xfrm>
         </p:grpSpPr>
         <p:sp>
@@ -11276,7 +11276,7 @@
           <p:spPr>
             <a:xfrm>
               <a:off x="301274" y="3002455"/>
-              <a:ext cx="1513305" cy="465601"/>
+              <a:ext cx="1513305" cy="329801"/>
             </a:xfrm>
             <a:prstGeom prst="rect">
               <a:avLst/>
@@ -11299,7 +11299,7 @@
               <a:pPr algn="ctr"/>
               <a:r>
                 <a:rPr lang="en-US" sz="1400" dirty="0"/>
-                <a:t>(Local Display &amp; Control)</a:t>
+                <a:t>(Local Display)</a:t>
               </a:r>
             </a:p>
           </p:txBody>
@@ -11682,10 +11682,10 @@
       </p:grpSp>
       <p:sp>
         <p:nvSpPr>
-          <p:cNvPr id="57" name="Freeform 56">
-            <a:extLst>
-              <a:ext uri="{FF2B5EF4-FFF2-40B4-BE49-F238E27FC236}">
-                <a16:creationId xmlns:a16="http://schemas.microsoft.com/office/drawing/2014/main" id="{A85E1EAA-4E4A-AA41-B11B-889D621159A5}"/>
+          <p:cNvPr id="61" name="Freeform 60">
+            <a:extLst>
+              <a:ext uri="{FF2B5EF4-FFF2-40B4-BE49-F238E27FC236}">
+                <a16:creationId xmlns:a16="http://schemas.microsoft.com/office/drawing/2014/main" id="{54252246-004C-1041-A45B-251A33B9577C}"/>
               </a:ext>
             </a:extLst>
           </p:cNvPr>
@@ -11693,9 +11693,9 @@
           <p:nvPr/>
         </p:nvSpPr>
         <p:spPr>
-          <a:xfrm rot="16200000" flipH="1" flipV="1">
-            <a:off x="1884443" y="1737903"/>
-            <a:ext cx="541853" cy="711200"/>
+          <a:xfrm rot="5400000" flipH="1">
+            <a:off x="2999537" y="994368"/>
+            <a:ext cx="204475" cy="530541"/>
           </a:xfrm>
           <a:custGeom>
             <a:avLst/>
@@ -11768,182 +11768,6 @@
           </a:p>
         </p:txBody>
       </p:sp>
-      <p:sp>
-        <p:nvSpPr>
-          <p:cNvPr id="59" name="Freeform 58">
-            <a:extLst>
-              <a:ext uri="{FF2B5EF4-FFF2-40B4-BE49-F238E27FC236}">
-                <a16:creationId xmlns:a16="http://schemas.microsoft.com/office/drawing/2014/main" id="{52454277-875B-3044-9953-B22851AC681C}"/>
-              </a:ext>
-            </a:extLst>
-          </p:cNvPr>
-          <p:cNvSpPr/>
-          <p:nvPr/>
-        </p:nvSpPr>
-        <p:spPr>
-          <a:xfrm rot="5400000" flipH="1" flipV="1">
-            <a:off x="1253988" y="2307509"/>
-            <a:ext cx="640461" cy="754299"/>
-          </a:xfrm>
-          <a:custGeom>
-            <a:avLst/>
-            <a:gdLst>
-              <a:gd name="connsiteX0" fmla="*/ 1371600 w 1371600"/>
-              <a:gd name="connsiteY0" fmla="*/ 711200 h 711200"/>
-              <a:gd name="connsiteX1" fmla="*/ 1371600 w 1371600"/>
-              <a:gd name="connsiteY1" fmla="*/ 0 h 711200"/>
-              <a:gd name="connsiteX2" fmla="*/ 0 w 1371600"/>
-              <a:gd name="connsiteY2" fmla="*/ 0 h 711200"/>
-            </a:gdLst>
-            <a:ahLst/>
-            <a:cxnLst>
-              <a:cxn ang="0">
-                <a:pos x="connsiteX0" y="connsiteY0"/>
-              </a:cxn>
-              <a:cxn ang="0">
-                <a:pos x="connsiteX1" y="connsiteY1"/>
-              </a:cxn>
-              <a:cxn ang="0">
-                <a:pos x="connsiteX2" y="connsiteY2"/>
-              </a:cxn>
-            </a:cxnLst>
-            <a:rect l="l" t="t" r="r" b="b"/>
-            <a:pathLst>
-              <a:path w="1371600" h="711200">
-                <a:moveTo>
-                  <a:pt x="1371600" y="711200"/>
-                </a:moveTo>
-                <a:lnTo>
-                  <a:pt x="1371600" y="0"/>
-                </a:lnTo>
-                <a:lnTo>
-                  <a:pt x="0" y="0"/>
-                </a:lnTo>
-              </a:path>
-            </a:pathLst>
-          </a:custGeom>
-          <a:noFill/>
-          <a:ln w="12700">
-            <a:solidFill>
-              <a:schemeClr val="tx2"/>
-            </a:solidFill>
-            <a:headEnd type="none" w="med" len="sm"/>
-            <a:tailEnd type="none" w="med" len="sm"/>
-          </a:ln>
-        </p:spPr>
-        <p:style>
-          <a:lnRef idx="2">
-            <a:schemeClr val="accent1">
-              <a:shade val="50000"/>
-            </a:schemeClr>
-          </a:lnRef>
-          <a:fillRef idx="1">
-            <a:schemeClr val="accent1"/>
-          </a:fillRef>
-          <a:effectRef idx="0">
-            <a:schemeClr val="accent1"/>
-          </a:effectRef>
-          <a:fontRef idx="minor">
-            <a:schemeClr val="lt1"/>
-          </a:fontRef>
-        </p:style>
-        <p:txBody>
-          <a:bodyPr rtlCol="0" anchor="ctr"/>
-          <a:lstStyle/>
-          <a:p>
-            <a:pPr algn="ctr"/>
-            <a:endParaRPr lang="en-US"/>
-          </a:p>
-        </p:txBody>
-      </p:sp>
-      <p:sp>
-        <p:nvSpPr>
-          <p:cNvPr id="61" name="Freeform 60">
-            <a:extLst>
-              <a:ext uri="{FF2B5EF4-FFF2-40B4-BE49-F238E27FC236}">
-                <a16:creationId xmlns:a16="http://schemas.microsoft.com/office/drawing/2014/main" id="{54252246-004C-1041-A45B-251A33B9577C}"/>
-              </a:ext>
-            </a:extLst>
-          </p:cNvPr>
-          <p:cNvSpPr/>
-          <p:nvPr/>
-        </p:nvSpPr>
-        <p:spPr>
-          <a:xfrm rot="5400000" flipH="1">
-            <a:off x="2999537" y="994368"/>
-            <a:ext cx="204475" cy="530541"/>
-          </a:xfrm>
-          <a:custGeom>
-            <a:avLst/>
-            <a:gdLst>
-              <a:gd name="connsiteX0" fmla="*/ 1371600 w 1371600"/>
-              <a:gd name="connsiteY0" fmla="*/ 711200 h 711200"/>
-              <a:gd name="connsiteX1" fmla="*/ 1371600 w 1371600"/>
-              <a:gd name="connsiteY1" fmla="*/ 0 h 711200"/>
-              <a:gd name="connsiteX2" fmla="*/ 0 w 1371600"/>
-              <a:gd name="connsiteY2" fmla="*/ 0 h 711200"/>
-            </a:gdLst>
-            <a:ahLst/>
-            <a:cxnLst>
-              <a:cxn ang="0">
-                <a:pos x="connsiteX0" y="connsiteY0"/>
-              </a:cxn>
-              <a:cxn ang="0">
-                <a:pos x="connsiteX1" y="connsiteY1"/>
-              </a:cxn>
-              <a:cxn ang="0">
-                <a:pos x="connsiteX2" y="connsiteY2"/>
-              </a:cxn>
-            </a:cxnLst>
-            <a:rect l="l" t="t" r="r" b="b"/>
-            <a:pathLst>
-              <a:path w="1371600" h="711200">
-                <a:moveTo>
-                  <a:pt x="1371600" y="711200"/>
-                </a:moveTo>
-                <a:lnTo>
-                  <a:pt x="1371600" y="0"/>
-                </a:lnTo>
-                <a:lnTo>
-                  <a:pt x="0" y="0"/>
-                </a:lnTo>
-              </a:path>
-            </a:pathLst>
-          </a:custGeom>
-          <a:noFill/>
-          <a:ln w="12700">
-            <a:solidFill>
-              <a:schemeClr val="tx2"/>
-            </a:solidFill>
-            <a:headEnd type="none" w="med" len="sm"/>
-            <a:tailEnd type="arrow" w="med" len="sm"/>
-          </a:ln>
-        </p:spPr>
-        <p:style>
-          <a:lnRef idx="2">
-            <a:schemeClr val="accent1">
-              <a:shade val="50000"/>
-            </a:schemeClr>
-          </a:lnRef>
-          <a:fillRef idx="1">
-            <a:schemeClr val="accent1"/>
-          </a:fillRef>
-          <a:effectRef idx="0">
-            <a:schemeClr val="accent1"/>
-          </a:effectRef>
-          <a:fontRef idx="minor">
-            <a:schemeClr val="lt1"/>
-          </a:fontRef>
-        </p:style>
-        <p:txBody>
-          <a:bodyPr rtlCol="0" anchor="ctr"/>
-          <a:lstStyle/>
-          <a:p>
-            <a:pPr algn="ctr"/>
-            <a:endParaRPr lang="en-US"/>
-          </a:p>
-        </p:txBody>
-      </p:sp>
       <p:cxnSp>
         <p:nvCxnSpPr>
           <p:cNvPr id="62" name="Elbow Connector 61">
@@ -12145,9 +11969,9 @@
           <p:nvPr/>
         </p:nvCxnSpPr>
         <p:spPr>
-          <a:xfrm rot="10800000">
-            <a:off x="1544190" y="3276601"/>
-            <a:ext cx="2463388" cy="455731"/>
+          <a:xfrm rot="10800000" flipV="1">
+            <a:off x="1544191" y="2854280"/>
+            <a:ext cx="1451509" cy="422322"/>
           </a:xfrm>
           <a:prstGeom prst="bentConnector3">
             <a:avLst>

--- a/accelerators/stream_manager/docs/Master Images.pptx
+++ b/accelerators/stream_manager/docs/Master Images.pptx
@@ -200,7 +200,7 @@
           <a:p>
             <a:fld id="{C651EA68-8216-444B-A9B9-6AB7A53198D1}" type="datetimeFigureOut">
               <a:rPr lang="en-US" smtClean="0"/>
-              <a:t>2/26/20</a:t>
+              <a:t>2/27/20</a:t>
             </a:fld>
             <a:endParaRPr lang="en-US"/>
           </a:p>
@@ -782,7 +782,7 @@
           <a:p>
             <a:fld id="{0191ADAD-C447-434A-91E8-24A385BB7D2D}" type="datetimeFigureOut">
               <a:rPr lang="en-US" smtClean="0"/>
-              <a:t>2/26/20</a:t>
+              <a:t>2/27/20</a:t>
             </a:fld>
             <a:endParaRPr lang="en-US"/>
           </a:p>
@@ -980,7 +980,7 @@
           <a:p>
             <a:fld id="{0191ADAD-C447-434A-91E8-24A385BB7D2D}" type="datetimeFigureOut">
               <a:rPr lang="en-US" smtClean="0"/>
-              <a:t>2/26/20</a:t>
+              <a:t>2/27/20</a:t>
             </a:fld>
             <a:endParaRPr lang="en-US"/>
           </a:p>
@@ -1188,7 +1188,7 @@
           <a:p>
             <a:fld id="{0191ADAD-C447-434A-91E8-24A385BB7D2D}" type="datetimeFigureOut">
               <a:rPr lang="en-US" smtClean="0"/>
-              <a:t>2/26/20</a:t>
+              <a:t>2/27/20</a:t>
             </a:fld>
             <a:endParaRPr lang="en-US"/>
           </a:p>
@@ -1386,7 +1386,7 @@
           <a:p>
             <a:fld id="{0191ADAD-C447-434A-91E8-24A385BB7D2D}" type="datetimeFigureOut">
               <a:rPr lang="en-US" smtClean="0"/>
-              <a:t>2/26/20</a:t>
+              <a:t>2/27/20</a:t>
             </a:fld>
             <a:endParaRPr lang="en-US"/>
           </a:p>
@@ -1661,7 +1661,7 @@
           <a:p>
             <a:fld id="{0191ADAD-C447-434A-91E8-24A385BB7D2D}" type="datetimeFigureOut">
               <a:rPr lang="en-US" smtClean="0"/>
-              <a:t>2/26/20</a:t>
+              <a:t>2/27/20</a:t>
             </a:fld>
             <a:endParaRPr lang="en-US"/>
           </a:p>
@@ -1926,7 +1926,7 @@
           <a:p>
             <a:fld id="{0191ADAD-C447-434A-91E8-24A385BB7D2D}" type="datetimeFigureOut">
               <a:rPr lang="en-US" smtClean="0"/>
-              <a:t>2/26/20</a:t>
+              <a:t>2/27/20</a:t>
             </a:fld>
             <a:endParaRPr lang="en-US"/>
           </a:p>
@@ -2338,7 +2338,7 @@
           <a:p>
             <a:fld id="{0191ADAD-C447-434A-91E8-24A385BB7D2D}" type="datetimeFigureOut">
               <a:rPr lang="en-US" smtClean="0"/>
-              <a:t>2/26/20</a:t>
+              <a:t>2/27/20</a:t>
             </a:fld>
             <a:endParaRPr lang="en-US"/>
           </a:p>
@@ -2479,7 +2479,7 @@
           <a:p>
             <a:fld id="{0191ADAD-C447-434A-91E8-24A385BB7D2D}" type="datetimeFigureOut">
               <a:rPr lang="en-US" smtClean="0"/>
-              <a:t>2/26/20</a:t>
+              <a:t>2/27/20</a:t>
             </a:fld>
             <a:endParaRPr lang="en-US"/>
           </a:p>
@@ -2592,7 +2592,7 @@
           <a:p>
             <a:fld id="{0191ADAD-C447-434A-91E8-24A385BB7D2D}" type="datetimeFigureOut">
               <a:rPr lang="en-US" smtClean="0"/>
-              <a:t>2/26/20</a:t>
+              <a:t>2/27/20</a:t>
             </a:fld>
             <a:endParaRPr lang="en-US"/>
           </a:p>
@@ -2903,7 +2903,7 @@
           <a:p>
             <a:fld id="{0191ADAD-C447-434A-91E8-24A385BB7D2D}" type="datetimeFigureOut">
               <a:rPr lang="en-US" smtClean="0"/>
-              <a:t>2/26/20</a:t>
+              <a:t>2/27/20</a:t>
             </a:fld>
             <a:endParaRPr lang="en-US"/>
           </a:p>
@@ -3191,7 +3191,7 @@
           <a:p>
             <a:fld id="{0191ADAD-C447-434A-91E8-24A385BB7D2D}" type="datetimeFigureOut">
               <a:rPr lang="en-US" smtClean="0"/>
-              <a:t>2/26/20</a:t>
+              <a:t>2/27/20</a:t>
             </a:fld>
             <a:endParaRPr lang="en-US"/>
           </a:p>
@@ -3432,7 +3432,7 @@
           <a:p>
             <a:fld id="{0191ADAD-C447-434A-91E8-24A385BB7D2D}" type="datetimeFigureOut">
               <a:rPr lang="en-US" smtClean="0"/>
-              <a:t>2/26/20</a:t>
+              <a:t>2/27/20</a:t>
             </a:fld>
             <a:endParaRPr lang="en-US"/>
           </a:p>
@@ -8601,7 +8601,7 @@
         </p:nvSpPr>
         <p:spPr>
           <a:xfrm>
-            <a:off x="3775296" y="4810743"/>
+            <a:off x="3816089" y="5499686"/>
             <a:ext cx="3726469" cy="369332"/>
           </a:xfrm>
           <a:prstGeom prst="rect">
@@ -9925,6 +9925,56 @@
               <a:rPr lang="en-US" sz="1000" dirty="0"/>
               <a:t>deployment</a:t>
             </a:r>
+          </a:p>
+        </p:txBody>
+      </p:sp>
+      <p:sp>
+        <p:nvSpPr>
+          <p:cNvPr id="41" name="Rectangle 40">
+            <a:extLst>
+              <a:ext uri="{FF2B5EF4-FFF2-40B4-BE49-F238E27FC236}">
+                <a16:creationId xmlns:a16="http://schemas.microsoft.com/office/drawing/2014/main" id="{674DF804-04B5-EF4A-B225-9AFF090C5307}"/>
+              </a:ext>
+            </a:extLst>
+          </p:cNvPr>
+          <p:cNvSpPr/>
+          <p:nvPr/>
+        </p:nvSpPr>
+        <p:spPr>
+          <a:xfrm>
+            <a:off x="5454639" y="4833839"/>
+            <a:ext cx="179709" cy="153889"/>
+          </a:xfrm>
+          <a:prstGeom prst="rect">
+            <a:avLst/>
+          </a:prstGeom>
+          <a:noFill/>
+          <a:ln>
+            <a:noFill/>
+          </a:ln>
+        </p:spPr>
+        <p:style>
+          <a:lnRef idx="2">
+            <a:schemeClr val="accent1">
+              <a:shade val="50000"/>
+            </a:schemeClr>
+          </a:lnRef>
+          <a:fillRef idx="1">
+            <a:schemeClr val="accent1"/>
+          </a:fillRef>
+          <a:effectRef idx="0">
+            <a:schemeClr val="accent1"/>
+          </a:effectRef>
+          <a:fontRef idx="minor">
+            <a:schemeClr val="lt1"/>
+          </a:fontRef>
+        </p:style>
+        <p:txBody>
+          <a:bodyPr rtlCol="0" anchor="ctr"/>
+          <a:lstStyle/>
+          <a:p>
+            <a:pPr algn="ctr"/>
+            <a:endParaRPr lang="en-US"/>
           </a:p>
         </p:txBody>
       </p:sp>
@@ -12138,6 +12188,106 @@
                 <a:srgbClr val="5A6B86"/>
               </a:solidFill>
             </a:endParaRPr>
+          </a:p>
+        </p:txBody>
+      </p:sp>
+      <p:sp>
+        <p:nvSpPr>
+          <p:cNvPr id="3" name="Rectangle 2">
+            <a:extLst>
+              <a:ext uri="{FF2B5EF4-FFF2-40B4-BE49-F238E27FC236}">
+                <a16:creationId xmlns:a16="http://schemas.microsoft.com/office/drawing/2014/main" id="{5CDD3F24-7639-3949-8AC5-D530C98DC927}"/>
+              </a:ext>
+            </a:extLst>
+          </p:cNvPr>
+          <p:cNvSpPr/>
+          <p:nvPr/>
+        </p:nvSpPr>
+        <p:spPr>
+          <a:xfrm>
+            <a:off x="10121806" y="2102426"/>
+            <a:ext cx="179709" cy="153889"/>
+          </a:xfrm>
+          <a:prstGeom prst="rect">
+            <a:avLst/>
+          </a:prstGeom>
+          <a:noFill/>
+          <a:ln>
+            <a:noFill/>
+          </a:ln>
+        </p:spPr>
+        <p:style>
+          <a:lnRef idx="2">
+            <a:schemeClr val="accent1">
+              <a:shade val="50000"/>
+            </a:schemeClr>
+          </a:lnRef>
+          <a:fillRef idx="1">
+            <a:schemeClr val="accent1"/>
+          </a:fillRef>
+          <a:effectRef idx="0">
+            <a:schemeClr val="accent1"/>
+          </a:effectRef>
+          <a:fontRef idx="minor">
+            <a:schemeClr val="lt1"/>
+          </a:fontRef>
+        </p:style>
+        <p:txBody>
+          <a:bodyPr rtlCol="0" anchor="ctr"/>
+          <a:lstStyle/>
+          <a:p>
+            <a:pPr algn="ctr"/>
+            <a:endParaRPr lang="en-US"/>
+          </a:p>
+        </p:txBody>
+      </p:sp>
+      <p:sp>
+        <p:nvSpPr>
+          <p:cNvPr id="58" name="Rectangle 57">
+            <a:extLst>
+              <a:ext uri="{FF2B5EF4-FFF2-40B4-BE49-F238E27FC236}">
+                <a16:creationId xmlns:a16="http://schemas.microsoft.com/office/drawing/2014/main" id="{C29587FD-AD84-DB43-89D0-3A0D9B1CA05D}"/>
+              </a:ext>
+            </a:extLst>
+          </p:cNvPr>
+          <p:cNvSpPr/>
+          <p:nvPr/>
+        </p:nvSpPr>
+        <p:spPr>
+          <a:xfrm>
+            <a:off x="6096000" y="4315116"/>
+            <a:ext cx="179709" cy="153889"/>
+          </a:xfrm>
+          <a:prstGeom prst="rect">
+            <a:avLst/>
+          </a:prstGeom>
+          <a:noFill/>
+          <a:ln>
+            <a:noFill/>
+          </a:ln>
+        </p:spPr>
+        <p:style>
+          <a:lnRef idx="2">
+            <a:schemeClr val="accent1">
+              <a:shade val="50000"/>
+            </a:schemeClr>
+          </a:lnRef>
+          <a:fillRef idx="1">
+            <a:schemeClr val="accent1"/>
+          </a:fillRef>
+          <a:effectRef idx="0">
+            <a:schemeClr val="accent1"/>
+          </a:effectRef>
+          <a:fontRef idx="minor">
+            <a:schemeClr val="lt1"/>
+          </a:fontRef>
+        </p:style>
+        <p:txBody>
+          <a:bodyPr rtlCol="0" anchor="ctr"/>
+          <a:lstStyle/>
+          <a:p>
+            <a:pPr algn="ctr"/>
+            <a:endParaRPr lang="en-US"/>
           </a:p>
         </p:txBody>
       </p:sp>
